--- a/Day4/4-paev-andmetarkus-esitlus.pptx
+++ b/Day4/4-paev-andmetarkus-esitlus.pptx
@@ -5,10 +5,10 @@
     <p:sldMasterId id="2147483648" r:id="rId4"/>
   </p:sldMasterIdLst>
   <p:notesMasterIdLst>
-    <p:notesMasterId r:id="rId33"/>
+    <p:notesMasterId r:id="rId36"/>
   </p:notesMasterIdLst>
   <p:handoutMasterIdLst>
-    <p:handoutMasterId r:id="rId34"/>
+    <p:handoutMasterId r:id="rId37"/>
   </p:handoutMasterIdLst>
   <p:sldIdLst>
     <p:sldId id="417" r:id="rId5"/>
@@ -27,42 +27,45 @@
     <p:sldId id="527" r:id="rId18"/>
     <p:sldId id="495" r:id="rId19"/>
     <p:sldId id="529" r:id="rId20"/>
-    <p:sldId id="605" r:id="rId21"/>
+    <p:sldId id="626" r:id="rId21"/>
     <p:sldId id="606" r:id="rId22"/>
     <p:sldId id="609" r:id="rId23"/>
     <p:sldId id="610" r:id="rId24"/>
-    <p:sldId id="626" r:id="rId25"/>
-    <p:sldId id="627" r:id="rId26"/>
-    <p:sldId id="628" r:id="rId27"/>
-    <p:sldId id="521" r:id="rId28"/>
-    <p:sldId id="612" r:id="rId29"/>
-    <p:sldId id="620" r:id="rId30"/>
-    <p:sldId id="624" r:id="rId31"/>
-    <p:sldId id="622" r:id="rId32"/>
+    <p:sldId id="627" r:id="rId25"/>
+    <p:sldId id="628" r:id="rId26"/>
+    <p:sldId id="521" r:id="rId27"/>
+    <p:sldId id="605" r:id="rId28"/>
+    <p:sldId id="630" r:id="rId29"/>
+    <p:sldId id="629" r:id="rId30"/>
+    <p:sldId id="631" r:id="rId31"/>
+    <p:sldId id="612" r:id="rId32"/>
+    <p:sldId id="620" r:id="rId33"/>
+    <p:sldId id="624" r:id="rId34"/>
+    <p:sldId id="622" r:id="rId35"/>
   </p:sldIdLst>
   <p:sldSz cx="12192000" cy="6858000"/>
   <p:notesSz cx="6858000" cy="9144000"/>
   <p:embeddedFontLst>
     <p:embeddedFont>
       <p:font typeface="Inter" panose="020B0604020202020204" charset="0"/>
-      <p:regular r:id="rId35"/>
-      <p:bold r:id="rId36"/>
+      <p:regular r:id="rId38"/>
+      <p:bold r:id="rId39"/>
     </p:embeddedFont>
     <p:embeddedFont>
       <p:font typeface="Inter Bold" panose="020B0604020202020204" charset="0"/>
-      <p:bold r:id="rId37"/>
+      <p:bold r:id="rId40"/>
     </p:embeddedFont>
     <p:embeddedFont>
       <p:font typeface="Poppins SemiBold" panose="00000700000000000000" pitchFamily="2" charset="0"/>
-      <p:bold r:id="rId38"/>
-      <p:boldItalic r:id="rId39"/>
+      <p:bold r:id="rId41"/>
+      <p:boldItalic r:id="rId42"/>
     </p:embeddedFont>
     <p:embeddedFont>
       <p:font typeface="Roboto" panose="02000000000000000000" pitchFamily="2" charset="0"/>
-      <p:regular r:id="rId40"/>
-      <p:bold r:id="rId41"/>
-      <p:italic r:id="rId42"/>
-      <p:boldItalic r:id="rId43"/>
+      <p:regular r:id="rId43"/>
+      <p:bold r:id="rId44"/>
+      <p:italic r:id="rId45"/>
+      <p:boldItalic r:id="rId46"/>
     </p:embeddedFont>
   </p:embeddedFontLst>
   <p:defaultTextStyle>
@@ -171,8 +174,92 @@
 </p:presentation>
 </file>
 
+<file path=ppt/revisionInfo.xml><?xml version="1.0" encoding="utf-8"?>
+<p1510:revInfo xmlns:a="http://schemas.openxmlformats.org/drawingml/2006/main" xmlns:r="http://schemas.openxmlformats.org/officeDocument/2006/relationships" xmlns:p1510="http://schemas.microsoft.com/office/powerpoint/2015/10/main">
+  <p1510:revLst>
+    <p1510:client id="{85E15080-6C4E-464B-9A4F-8E354C5B7A98}" v="647" dt="2025-08-28T10:05:25.890"/>
+  </p1510:revLst>
+</p1510:revInfo>
+</file>
+
 <file path=ppt/changesInfos/changesInfo1.xml><?xml version="1.0" encoding="utf-8"?>
 <pc:chgInfo xmlns:a="http://schemas.openxmlformats.org/drawingml/2006/main" xmlns:r="http://schemas.openxmlformats.org/officeDocument/2006/relationships" xmlns:ac="http://schemas.microsoft.com/office/drawing/2013/main/command" xmlns:pc="http://schemas.microsoft.com/office/powerpoint/2013/main/command">
+  <pc:docChgLst>
+    <pc:chgData name="Virve Räni" userId="161a7437-7ef4-49ec-91bf-54882f313dfe" providerId="ADAL" clId="{85E15080-6C4E-464B-9A4F-8E354C5B7A98}"/>
+    <pc:docChg chg="addSld modSld sldOrd">
+      <pc:chgData name="Virve Räni" userId="161a7437-7ef4-49ec-91bf-54882f313dfe" providerId="ADAL" clId="{85E15080-6C4E-464B-9A4F-8E354C5B7A98}" dt="2025-08-28T10:05:25.890" v="753" actId="20577"/>
+      <pc:docMkLst>
+        <pc:docMk/>
+      </pc:docMkLst>
+      <pc:sldChg chg="ord">
+        <pc:chgData name="Virve Räni" userId="161a7437-7ef4-49ec-91bf-54882f313dfe" providerId="ADAL" clId="{85E15080-6C4E-464B-9A4F-8E354C5B7A98}" dt="2025-08-28T09:54:23.789" v="3"/>
+        <pc:sldMkLst>
+          <pc:docMk/>
+          <pc:sldMk cId="668381796" sldId="605"/>
+        </pc:sldMkLst>
+      </pc:sldChg>
+      <pc:sldChg chg="ord">
+        <pc:chgData name="Virve Räni" userId="161a7437-7ef4-49ec-91bf-54882f313dfe" providerId="ADAL" clId="{85E15080-6C4E-464B-9A4F-8E354C5B7A98}" dt="2025-08-28T08:01:28.581" v="1"/>
+        <pc:sldMkLst>
+          <pc:docMk/>
+          <pc:sldMk cId="2568840069" sldId="626"/>
+        </pc:sldMkLst>
+      </pc:sldChg>
+      <pc:sldChg chg="modSp add mod modAnim">
+        <pc:chgData name="Virve Räni" userId="161a7437-7ef4-49ec-91bf-54882f313dfe" providerId="ADAL" clId="{85E15080-6C4E-464B-9A4F-8E354C5B7A98}" dt="2025-08-28T10:05:25.890" v="753" actId="20577"/>
+        <pc:sldMkLst>
+          <pc:docMk/>
+          <pc:sldMk cId="3477013833" sldId="629"/>
+        </pc:sldMkLst>
+        <pc:spChg chg="mod">
+          <ac:chgData name="Virve Räni" userId="161a7437-7ef4-49ec-91bf-54882f313dfe" providerId="ADAL" clId="{85E15080-6C4E-464B-9A4F-8E354C5B7A98}" dt="2025-08-28T10:00:10.973" v="199" actId="20577"/>
+          <ac:spMkLst>
+            <pc:docMk/>
+            <pc:sldMk cId="3477013833" sldId="629"/>
+            <ac:spMk id="2" creationId="{E2531FAF-6D1B-B9D9-9733-02DE9E2DE4B0}"/>
+          </ac:spMkLst>
+        </pc:spChg>
+        <pc:spChg chg="mod">
+          <ac:chgData name="Virve Räni" userId="161a7437-7ef4-49ec-91bf-54882f313dfe" providerId="ADAL" clId="{85E15080-6C4E-464B-9A4F-8E354C5B7A98}" dt="2025-08-28T10:05:25.890" v="753" actId="20577"/>
+          <ac:spMkLst>
+            <pc:docMk/>
+            <pc:sldMk cId="3477013833" sldId="629"/>
+            <ac:spMk id="3" creationId="{4571D5DF-1C14-941A-5FB0-C078DD6CF9EF}"/>
+          </ac:spMkLst>
+        </pc:spChg>
+      </pc:sldChg>
+      <pc:sldChg chg="modSp add ord modAnim">
+        <pc:chgData name="Virve Räni" userId="161a7437-7ef4-49ec-91bf-54882f313dfe" providerId="ADAL" clId="{85E15080-6C4E-464B-9A4F-8E354C5B7A98}" dt="2025-08-28T10:05:21.222" v="743" actId="20577"/>
+        <pc:sldMkLst>
+          <pc:docMk/>
+          <pc:sldMk cId="333880543" sldId="630"/>
+        </pc:sldMkLst>
+        <pc:spChg chg="mod">
+          <ac:chgData name="Virve Räni" userId="161a7437-7ef4-49ec-91bf-54882f313dfe" providerId="ADAL" clId="{85E15080-6C4E-464B-9A4F-8E354C5B7A98}" dt="2025-08-28T10:05:21.222" v="743" actId="20577"/>
+          <ac:spMkLst>
+            <pc:docMk/>
+            <pc:sldMk cId="333880543" sldId="630"/>
+            <ac:spMk id="3" creationId="{EEAD82DD-11F7-C6CC-5DC6-0C6419264809}"/>
+          </ac:spMkLst>
+        </pc:spChg>
+      </pc:sldChg>
+      <pc:sldChg chg="modSp add modAnim">
+        <pc:chgData name="Virve Räni" userId="161a7437-7ef4-49ec-91bf-54882f313dfe" providerId="ADAL" clId="{85E15080-6C4E-464B-9A4F-8E354C5B7A98}" dt="2025-08-28T10:05:13.057" v="733" actId="20577"/>
+        <pc:sldMkLst>
+          <pc:docMk/>
+          <pc:sldMk cId="627213003" sldId="631"/>
+        </pc:sldMkLst>
+        <pc:spChg chg="mod">
+          <ac:chgData name="Virve Räni" userId="161a7437-7ef4-49ec-91bf-54882f313dfe" providerId="ADAL" clId="{85E15080-6C4E-464B-9A4F-8E354C5B7A98}" dt="2025-08-28T10:05:13.057" v="733" actId="20577"/>
+          <ac:spMkLst>
+            <pc:docMk/>
+            <pc:sldMk cId="627213003" sldId="631"/>
+            <ac:spMk id="3" creationId="{F0A86AF7-AFA7-8551-547F-6EBEC9706643}"/>
+          </ac:spMkLst>
+        </pc:spChg>
+      </pc:sldChg>
+    </pc:docChg>
+  </pc:docChgLst>
   <pc:docChgLst>
     <pc:chgData name="Virve Räni" userId="161a7437-7ef4-49ec-91bf-54882f313dfe" providerId="ADAL" clId="{4C79F690-5571-42AE-AB38-96C112485696}"/>
     <pc:docChg chg="modSld">
@@ -4841,7 +4928,7 @@
           <a:p>
             <a:fld id="{F9D2AD6E-DEDD-49A0-A4BE-7A081A9112DA}" type="datetimeFigureOut">
               <a:rPr lang="en-US" smtClean="0"/>
-              <a:t>8/27/2025</a:t>
+              <a:t>8/28/2025</a:t>
             </a:fld>
             <a:endParaRPr lang="en-US"/>
           </a:p>
@@ -5017,7 +5104,7 @@
           </a:lstStyle>
           <a:p>
             <a:fld id="{2AF9C1A6-4321-41FA-B001-4140F0E2457F}" type="datetimeFigureOut">
-              <a:t>27.08.2025</a:t>
+              <a:t>28.08.2025</a:t>
             </a:fld>
             <a:endParaRPr lang="en-US"/>
           </a:p>
@@ -17023,7 +17110,7 @@
           <a:p>
             <a:fld id="{DE840A40-73C8-4048-8140-49F5D65BB431}" type="datetimeFigureOut">
               <a:rPr lang="et-EE" smtClean="0"/>
-              <a:t>27.08.2025</a:t>
+              <a:t>28.08.2025</a:t>
             </a:fld>
             <a:endParaRPr lang="et-EE"/>
           </a:p>
@@ -30623,13 +30710,13 @@
               </a:lnSpc>
             </a:pPr>
             <a:r>
-              <a:rPr lang="en-US" sz="2000" err="1">
+              <a:rPr lang="en-US" sz="2000" dirty="0" err="1">
                 <a:ea typeface="Inter"/>
               </a:rPr>
               <a:t>Github</a:t>
             </a:r>
             <a:r>
-              <a:rPr lang="en-US" sz="2000">
+              <a:rPr lang="en-US" sz="2000" dirty="0">
                 <a:ea typeface="Inter"/>
               </a:rPr>
               <a:t>: Day4 --&gt; Reklaam_andmestik.xlsx</a:t>
@@ -30642,42 +30729,42 @@
               </a:lnSpc>
             </a:pPr>
             <a:r>
-              <a:rPr lang="en-US" sz="2000" err="1">
+              <a:rPr lang="en-US" sz="2000" dirty="0" err="1">
                 <a:ea typeface="Inter"/>
               </a:rPr>
               <a:t>Põhilised</a:t>
             </a:r>
             <a:r>
-              <a:rPr lang="en-US" sz="2000">
+              <a:rPr lang="en-US" sz="2000" dirty="0">
                 <a:ea typeface="Inter"/>
               </a:rPr>
               <a:t> </a:t>
             </a:r>
             <a:r>
-              <a:rPr lang="en-US" sz="2000" err="1">
+              <a:rPr lang="en-US" sz="2000" dirty="0" err="1">
                 <a:ea typeface="Inter"/>
               </a:rPr>
               <a:t>tunnuse</a:t>
             </a:r>
             <a:r>
-              <a:rPr lang="en-US" sz="2000">
+              <a:rPr lang="en-US" sz="2000" dirty="0">
                 <a:ea typeface="Inter"/>
               </a:rPr>
               <a:t> </a:t>
             </a:r>
             <a:r>
-              <a:rPr lang="en-US" sz="2000" err="1">
+              <a:rPr lang="en-US" sz="2000" dirty="0" err="1">
                 <a:ea typeface="Inter"/>
               </a:rPr>
               <a:t>näitajad</a:t>
             </a:r>
             <a:r>
-              <a:rPr lang="en-US" sz="2000">
+              <a:rPr lang="en-US" sz="2000" dirty="0">
                 <a:ea typeface="Inter"/>
               </a:rPr>
               <a:t>: </a:t>
             </a:r>
-            <a:endParaRPr lang="en-US" sz="2000"/>
+            <a:endParaRPr lang="en-US" sz="2000" dirty="0"/>
           </a:p>
           <a:p>
             <a:pPr lvl="1">
@@ -30688,12 +30775,12 @@
               <a:buChar char="o"/>
             </a:pPr>
             <a:r>
-              <a:rPr lang="en-US" sz="2000">
+              <a:rPr lang="en-US" sz="2000" dirty="0">
                 <a:ea typeface="Inter"/>
               </a:rPr>
               <a:t>Data --&gt; Data Analysis --&gt; Descriptive Statistics</a:t>
             </a:r>
-            <a:endParaRPr lang="en-US"/>
+            <a:endParaRPr lang="en-US" dirty="0"/>
           </a:p>
           <a:p>
             <a:pPr>
@@ -30705,18 +30792,18 @@
               </a:buClr>
             </a:pPr>
             <a:r>
-              <a:rPr lang="en-US" sz="2000" err="1">
+              <a:rPr lang="en-US" sz="2000" dirty="0" err="1">
                 <a:ea typeface="Inter"/>
               </a:rPr>
               <a:t>Jaotus</a:t>
             </a:r>
             <a:r>
-              <a:rPr lang="en-US" sz="2000">
+              <a:rPr lang="en-US" sz="2000" dirty="0">
                 <a:ea typeface="Inter"/>
               </a:rPr>
               <a:t>: </a:t>
             </a:r>
-            <a:endParaRPr lang="en-US" sz="2000"/>
+            <a:endParaRPr lang="en-US" sz="2000" dirty="0"/>
           </a:p>
           <a:p>
             <a:pPr lvl="1">
@@ -30727,19 +30814,19 @@
               <a:buChar char="o"/>
             </a:pPr>
             <a:r>
-              <a:rPr lang="en-US" sz="2000">
+              <a:rPr lang="en-US" sz="2000" dirty="0">
                 <a:ea typeface="Inter"/>
               </a:rPr>
               <a:t>Data --&gt; Data Analysis --&gt; Histogram</a:t>
             </a:r>
-            <a:endParaRPr lang="en-US" sz="2000"/>
+            <a:endParaRPr lang="en-US" sz="2000" dirty="0"/>
           </a:p>
           <a:p>
             <a:pPr lvl="1">
               <a:buFont typeface="Courier New" panose="020B0502030000000004" pitchFamily="34" charset="0"/>
               <a:buChar char="o"/>
             </a:pPr>
-            <a:endParaRPr lang="en-US"/>
+            <a:endParaRPr lang="en-US" dirty="0"/>
           </a:p>
         </p:txBody>
       </p:sp>
@@ -34049,13 +34136,7 @@
   <p:cSld>
     <p:spTree>
       <p:nvGrpSpPr>
-        <p:cNvPr id="1" name="">
-          <a:extLst>
-            <a:ext uri="{FF2B5EF4-FFF2-40B4-BE49-F238E27FC236}">
-              <a16:creationId xmlns:a16="http://schemas.microsoft.com/office/drawing/2014/main" id="{4A099FCD-1FAC-9C66-3245-6CC75BBF06D8}"/>
-            </a:ext>
-          </a:extLst>
-        </p:cNvPr>
+        <p:cNvPr id="1" name=""/>
         <p:cNvGrpSpPr/>
         <p:nvPr/>
       </p:nvGrpSpPr>
@@ -34069,54 +34150,10 @@
       </p:grpSpPr>
       <p:sp>
         <p:nvSpPr>
-          <p:cNvPr id="3" name="Content Placeholder 2">
+          <p:cNvPr id="2" name="Title 1">
             <a:extLst>
               <a:ext uri="{FF2B5EF4-FFF2-40B4-BE49-F238E27FC236}">
-                <a16:creationId xmlns:a16="http://schemas.microsoft.com/office/drawing/2014/main" id="{D863D522-8B6B-AC13-AE89-589D6137986B}"/>
-              </a:ext>
-            </a:extLst>
-          </p:cNvPr>
-          <p:cNvSpPr>
-            <a:spLocks noGrp="1"/>
-          </p:cNvSpPr>
-          <p:nvPr>
-            <p:ph sz="quarter" idx="10"/>
-          </p:nvPr>
-        </p:nvSpPr>
-        <p:spPr/>
-        <p:txBody>
-          <a:bodyPr/>
-          <a:lstStyle/>
-          <a:p>
-            <a:pPr marL="0" indent="0">
-              <a:lnSpc>
-                <a:spcPct val="150000"/>
-              </a:lnSpc>
-              <a:buNone/>
-            </a:pPr>
-            <a:endParaRPr lang="en-US" sz="2800">
-              <a:ea typeface="Inter"/>
-            </a:endParaRPr>
-          </a:p>
-          <a:p>
-            <a:pPr marL="457200" lvl="1" indent="0">
-              <a:lnSpc>
-                <a:spcPct val="150000"/>
-              </a:lnSpc>
-              <a:buNone/>
-            </a:pPr>
-            <a:endParaRPr lang="en-US" sz="2000">
-              <a:ea typeface="Inter"/>
-            </a:endParaRPr>
-          </a:p>
-        </p:txBody>
-      </p:sp>
-      <p:sp>
-        <p:nvSpPr>
-          <p:cNvPr id="5" name="Title 4">
-            <a:extLst>
-              <a:ext uri="{FF2B5EF4-FFF2-40B4-BE49-F238E27FC236}">
-                <a16:creationId xmlns:a16="http://schemas.microsoft.com/office/drawing/2014/main" id="{648003D5-4AA3-8A46-050E-409C5B8B105B}"/>
+                <a16:creationId xmlns:a16="http://schemas.microsoft.com/office/drawing/2014/main" id="{9E93F415-63C4-28DF-9D89-8D57A27F5D9D}"/>
               </a:ext>
             </a:extLst>
           </p:cNvPr>
@@ -34127,31 +34164,66 @@
             <p:ph type="ctrTitle"/>
           </p:nvPr>
         </p:nvSpPr>
-        <p:spPr>
-          <a:xfrm>
-            <a:off x="3461336" y="2675333"/>
-            <a:ext cx="6575007" cy="357043"/>
-          </a:xfrm>
-        </p:spPr>
+        <p:spPr/>
         <p:txBody>
           <a:bodyPr/>
           <a:lstStyle/>
           <a:p>
             <a:r>
+              <a:rPr lang="en-US"/>
+              <a:t>P-</a:t>
+            </a:r>
+            <a:r>
               <a:rPr lang="en-US" err="1"/>
-              <a:t>Lõunapaus</a:t>
+              <a:t>väärtuse</a:t>
             </a:r>
             <a:r>
               <a:rPr lang="en-US"/>
-              <a:t> 12:15-13:15</a:t>
+              <a:t> </a:t>
+            </a:r>
+            <a:r>
+              <a:rPr lang="en-US" err="1"/>
+              <a:t>tõlgendamine</a:t>
             </a:r>
           </a:p>
         </p:txBody>
       </p:sp>
+      <p:pic>
+        <p:nvPicPr>
+          <p:cNvPr id="4" name="Content Placeholder 3">
+            <a:extLst>
+              <a:ext uri="{FF2B5EF4-FFF2-40B4-BE49-F238E27FC236}">
+                <a16:creationId xmlns:a16="http://schemas.microsoft.com/office/drawing/2014/main" id="{C39C43C3-A3FB-2BD3-E6A5-FC7C8F3ADFD0}"/>
+              </a:ext>
+            </a:extLst>
+          </p:cNvPr>
+          <p:cNvPicPr>
+            <a:picLocks noGrp="1" noChangeAspect="1"/>
+          </p:cNvPicPr>
+          <p:nvPr>
+            <p:ph sz="quarter" idx="10"/>
+          </p:nvPr>
+        </p:nvPicPr>
+        <p:blipFill>
+          <a:blip r:embed="rId2"/>
+          <a:stretch>
+            <a:fillRect/>
+          </a:stretch>
+        </p:blipFill>
+        <p:spPr>
+          <a:xfrm>
+            <a:off x="1598053" y="1337936"/>
+            <a:ext cx="8759637" cy="4219014"/>
+          </a:xfrm>
+          <a:prstGeom prst="rect">
+            <a:avLst/>
+          </a:prstGeom>
+        </p:spPr>
+      </p:pic>
     </p:spTree>
     <p:extLst>
       <p:ext uri="{BB962C8B-B14F-4D97-AF65-F5344CB8AC3E}">
-        <p14:creationId xmlns:p14="http://schemas.microsoft.com/office/powerpoint/2010/main" val="668381796"/>
+        <p14:creationId xmlns:p14="http://schemas.microsoft.com/office/powerpoint/2010/main" val="2568840069"/>
       </p:ext>
     </p:extLst>
   </p:cSld>
@@ -36100,204 +36172,204 @@
               </a:lnSpc>
             </a:pPr>
             <a:r>
-              <a:rPr lang="en-US" sz="2000">
+              <a:rPr lang="en-US" sz="2000" dirty="0">
                 <a:ea typeface="Inter"/>
               </a:rPr>
               <a:t>Meil on </a:t>
             </a:r>
             <a:r>
-              <a:rPr lang="en-US" sz="2000" err="1">
+              <a:rPr lang="en-US" sz="2000" dirty="0" err="1">
                 <a:ea typeface="Inter"/>
               </a:rPr>
               <a:t>laos</a:t>
             </a:r>
             <a:r>
-              <a:rPr lang="en-US" sz="2000">
+              <a:rPr lang="en-US" sz="2000" dirty="0">
                 <a:ea typeface="Inter"/>
               </a:rPr>
               <a:t> </a:t>
             </a:r>
             <a:r>
-              <a:rPr lang="en-US" sz="2000" err="1">
+              <a:rPr lang="en-US" sz="2000" dirty="0" err="1">
                 <a:ea typeface="Inter"/>
               </a:rPr>
               <a:t>kaks</a:t>
             </a:r>
             <a:r>
-              <a:rPr lang="en-US" sz="2000">
+              <a:rPr lang="en-US" sz="2000" dirty="0">
                 <a:ea typeface="Inter"/>
               </a:rPr>
               <a:t> </a:t>
             </a:r>
             <a:r>
-              <a:rPr lang="en-US" sz="2000" err="1">
+              <a:rPr lang="en-US" sz="2000" dirty="0" err="1">
                 <a:ea typeface="Inter"/>
               </a:rPr>
               <a:t>pakirobotit</a:t>
             </a:r>
             <a:r>
-              <a:rPr lang="en-US" sz="2000">
+              <a:rPr lang="en-US" sz="2000" dirty="0">
                 <a:ea typeface="Inter"/>
               </a:rPr>
               <a:t>, </a:t>
             </a:r>
             <a:r>
-              <a:rPr lang="en-US" sz="2000" err="1">
+              <a:rPr lang="en-US" sz="2000" dirty="0" err="1">
                 <a:ea typeface="Inter"/>
               </a:rPr>
               <a:t>millel</a:t>
             </a:r>
             <a:r>
-              <a:rPr lang="en-US" sz="2000">
+              <a:rPr lang="en-US" sz="2000" dirty="0">
                 <a:ea typeface="Inter"/>
               </a:rPr>
               <a:t> on </a:t>
             </a:r>
             <a:r>
-              <a:rPr lang="en-US" sz="2000" err="1">
+              <a:rPr lang="en-US" sz="2000" dirty="0" err="1">
                 <a:ea typeface="Inter"/>
               </a:rPr>
               <a:t>erinevad</a:t>
             </a:r>
             <a:r>
-              <a:rPr lang="en-US" sz="2000">
+              <a:rPr lang="en-US" sz="2000" dirty="0">
                 <a:ea typeface="Inter"/>
               </a:rPr>
               <a:t> </a:t>
             </a:r>
             <a:r>
-              <a:rPr lang="en-US" sz="2000" err="1">
+              <a:rPr lang="en-US" sz="2000" dirty="0" err="1">
                 <a:ea typeface="Inter"/>
               </a:rPr>
               <a:t>tarkvara</a:t>
             </a:r>
             <a:r>
-              <a:rPr lang="en-US" sz="2000">
+              <a:rPr lang="en-US" sz="2000" dirty="0">
                 <a:ea typeface="Inter"/>
               </a:rPr>
               <a:t> </a:t>
             </a:r>
             <a:r>
-              <a:rPr lang="en-US" sz="2000" err="1">
+              <a:rPr lang="en-US" sz="2000" dirty="0" err="1">
                 <a:ea typeface="Inter"/>
               </a:rPr>
               <a:t>versioonid</a:t>
             </a:r>
             <a:r>
-              <a:rPr lang="en-US" sz="2000">
+              <a:rPr lang="en-US" sz="2000" dirty="0">
                 <a:ea typeface="Inter"/>
               </a:rPr>
               <a:t>. Kas </a:t>
             </a:r>
             <a:r>
-              <a:rPr lang="en-US" sz="2000" err="1">
+              <a:rPr lang="en-US" sz="2000" dirty="0" err="1">
                 <a:ea typeface="Inter"/>
               </a:rPr>
               <a:t>uue</a:t>
             </a:r>
             <a:r>
-              <a:rPr lang="en-US" sz="2000">
+              <a:rPr lang="en-US" sz="2000" dirty="0">
                 <a:ea typeface="Inter"/>
               </a:rPr>
               <a:t> </a:t>
             </a:r>
             <a:r>
-              <a:rPr lang="en-US" sz="2000" err="1">
+              <a:rPr lang="en-US" sz="2000" dirty="0" err="1">
                 <a:ea typeface="Inter"/>
               </a:rPr>
               <a:t>tarkvaraga</a:t>
             </a:r>
             <a:r>
-              <a:rPr lang="en-US" sz="2000">
+              <a:rPr lang="en-US" sz="2000" dirty="0">
                 <a:ea typeface="Inter"/>
               </a:rPr>
               <a:t> </a:t>
             </a:r>
             <a:r>
-              <a:rPr lang="en-US" sz="2000" err="1">
+              <a:rPr lang="en-US" sz="2000" dirty="0" err="1">
                 <a:ea typeface="Inter"/>
               </a:rPr>
               <a:t>pakirobot</a:t>
             </a:r>
             <a:r>
-              <a:rPr lang="en-US" sz="2000">
+              <a:rPr lang="en-US" sz="2000" dirty="0">
                 <a:ea typeface="Inter"/>
               </a:rPr>
               <a:t> on </a:t>
             </a:r>
             <a:r>
-              <a:rPr lang="en-US" sz="2000" err="1">
+              <a:rPr lang="en-US" sz="2000" dirty="0" err="1">
                 <a:ea typeface="Inter"/>
               </a:rPr>
               <a:t>keskmiselt</a:t>
             </a:r>
             <a:r>
-              <a:rPr lang="en-US" sz="2000">
+              <a:rPr lang="en-US" sz="2000" dirty="0">
                 <a:ea typeface="Inter"/>
               </a:rPr>
               <a:t> </a:t>
             </a:r>
             <a:r>
-              <a:rPr lang="en-US" sz="2000" err="1">
+              <a:rPr lang="en-US" sz="2000" dirty="0" err="1">
                 <a:ea typeface="Inter"/>
               </a:rPr>
               <a:t>kiirem</a:t>
             </a:r>
             <a:r>
-              <a:rPr lang="en-US" sz="2000">
+              <a:rPr lang="en-US" sz="2000" dirty="0">
                 <a:ea typeface="Inter"/>
               </a:rPr>
               <a:t> </a:t>
             </a:r>
             <a:r>
-              <a:rPr lang="en-US" sz="2000" err="1">
+              <a:rPr lang="en-US" sz="2000" dirty="0" err="1">
                 <a:ea typeface="Inter"/>
               </a:rPr>
               <a:t>kui</a:t>
             </a:r>
             <a:r>
-              <a:rPr lang="en-US" sz="2000">
+              <a:rPr lang="en-US" sz="2000" dirty="0">
                 <a:ea typeface="Inter"/>
               </a:rPr>
               <a:t> </a:t>
             </a:r>
             <a:r>
-              <a:rPr lang="en-US" sz="2000" err="1">
+              <a:rPr lang="en-US" sz="2000" dirty="0" err="1">
                 <a:ea typeface="Inter"/>
               </a:rPr>
               <a:t>vana</a:t>
             </a:r>
             <a:r>
-              <a:rPr lang="en-US" sz="2000">
+              <a:rPr lang="en-US" sz="2000" dirty="0">
                 <a:ea typeface="Inter"/>
               </a:rPr>
               <a:t> </a:t>
             </a:r>
             <a:r>
-              <a:rPr lang="en-US" sz="2000" err="1">
+              <a:rPr lang="en-US" sz="2000" dirty="0" err="1">
                 <a:ea typeface="Inter"/>
               </a:rPr>
               <a:t>tarkvaraga</a:t>
             </a:r>
             <a:r>
-              <a:rPr lang="en-US" sz="2000">
+              <a:rPr lang="en-US" sz="2000" dirty="0">
                 <a:ea typeface="Inter"/>
               </a:rPr>
               <a:t> </a:t>
             </a:r>
             <a:r>
-              <a:rPr lang="en-US" sz="2000" err="1">
+              <a:rPr lang="en-US" sz="2000" dirty="0" err="1">
                 <a:ea typeface="Inter"/>
               </a:rPr>
               <a:t>pakirobot</a:t>
             </a:r>
             <a:r>
-              <a:rPr lang="en-US" sz="2000">
+              <a:rPr lang="en-US" sz="2000" dirty="0">
                 <a:ea typeface="Inter"/>
               </a:rPr>
               <a:t>?</a:t>
             </a:r>
-            <a:endParaRPr lang="en-US" sz="2000"/>
+            <a:endParaRPr lang="en-US" sz="2000" dirty="0"/>
           </a:p>
           <a:p>
             <a:pPr>
@@ -36306,13 +36378,13 @@
               </a:lnSpc>
             </a:pPr>
             <a:r>
-              <a:rPr lang="en-US" sz="2000" err="1">
+              <a:rPr lang="en-US" sz="2000" dirty="0" err="1">
                 <a:ea typeface="Inter"/>
               </a:rPr>
               <a:t>Andmed</a:t>
             </a:r>
             <a:r>
-              <a:rPr lang="en-US" sz="2000">
+              <a:rPr lang="en-US" sz="2000" dirty="0">
                 <a:ea typeface="Inter"/>
               </a:rPr>
               <a:t>: Day4 --&gt; pakirobotid_andmestik.csv</a:t>
@@ -36325,60 +36397,60 @@
               </a:lnSpc>
             </a:pPr>
             <a:r>
-              <a:rPr lang="en-US" sz="2000">
+              <a:rPr lang="en-US" sz="2000" dirty="0">
                 <a:ea typeface="Inter"/>
               </a:rPr>
               <a:t>Viime </a:t>
             </a:r>
             <a:r>
-              <a:rPr lang="en-US" sz="2000" err="1">
+              <a:rPr lang="en-US" sz="2000" dirty="0" err="1">
                 <a:ea typeface="Inter"/>
               </a:rPr>
               <a:t>andmed</a:t>
             </a:r>
             <a:r>
-              <a:rPr lang="en-US" sz="2000">
+              <a:rPr lang="en-US" sz="2000" dirty="0">
                 <a:ea typeface="Inter"/>
               </a:rPr>
               <a:t> t-</a:t>
             </a:r>
             <a:r>
-              <a:rPr lang="en-US" sz="2000" err="1">
+              <a:rPr lang="en-US" sz="2000" dirty="0" err="1">
                 <a:ea typeface="Inter"/>
               </a:rPr>
               <a:t>testiks</a:t>
             </a:r>
             <a:r>
-              <a:rPr lang="en-US" sz="2000">
+              <a:rPr lang="en-US" sz="2000" dirty="0">
                 <a:ea typeface="Inter"/>
               </a:rPr>
               <a:t> </a:t>
             </a:r>
             <a:r>
-              <a:rPr lang="en-US" sz="2000" err="1">
+              <a:rPr lang="en-US" sz="2000" dirty="0" err="1">
                 <a:ea typeface="Inter"/>
               </a:rPr>
               <a:t>sobivale</a:t>
             </a:r>
             <a:r>
-              <a:rPr lang="en-US" sz="2000">
+              <a:rPr lang="en-US" sz="2000" dirty="0">
                 <a:ea typeface="Inter"/>
               </a:rPr>
               <a:t> </a:t>
             </a:r>
             <a:r>
-              <a:rPr lang="en-US" sz="2000" err="1">
+              <a:rPr lang="en-US" sz="2000" dirty="0" err="1">
                 <a:ea typeface="Inter"/>
               </a:rPr>
               <a:t>kujule</a:t>
             </a:r>
             <a:r>
-              <a:rPr lang="en-US" sz="2000">
+              <a:rPr lang="en-US" sz="2000" dirty="0">
                 <a:ea typeface="Inter"/>
               </a:rPr>
               <a:t>: </a:t>
             </a:r>
-            <a:endParaRPr lang="en-US"/>
+            <a:endParaRPr lang="en-US" dirty="0"/>
           </a:p>
           <a:p>
             <a:pPr lvl="1">
@@ -36389,24 +36461,24 @@
               <a:buChar char="o"/>
             </a:pPr>
             <a:r>
-              <a:rPr lang="en-US" sz="2000" err="1">
+              <a:rPr lang="en-US" sz="2000" dirty="0" err="1">
                 <a:ea typeface="Inter"/>
               </a:rPr>
               <a:t>Delivery_time_in_sec</a:t>
             </a:r>
             <a:r>
-              <a:rPr lang="en-US" sz="2000">
+              <a:rPr lang="en-US" sz="2000" dirty="0">
                 <a:ea typeface="Inter"/>
               </a:rPr>
               <a:t> --&gt; </a:t>
             </a:r>
             <a:r>
-              <a:rPr lang="en-US" sz="2000" err="1">
+              <a:rPr lang="en-US" sz="2000" dirty="0" err="1">
                 <a:ea typeface="Inter"/>
               </a:rPr>
               <a:t>numbriliseks</a:t>
             </a:r>
-            <a:endParaRPr lang="en-US" sz="2000" err="1"/>
+            <a:endParaRPr lang="en-US" sz="2000" dirty="0"/>
           </a:p>
           <a:p>
             <a:pPr lvl="1">
@@ -36417,69 +36489,75 @@
               <a:buChar char="o"/>
             </a:pPr>
             <a:r>
-              <a:rPr lang="en-US" sz="2000">
-                <a:ea typeface="Inter"/>
-              </a:rPr>
-              <a:t>Uus ja </a:t>
-            </a:r>
-            <a:r>
-              <a:rPr lang="en-US" sz="2000" err="1">
+              <a:rPr lang="en-US" sz="2000" dirty="0" err="1">
+                <a:ea typeface="Inter"/>
+              </a:rPr>
+              <a:t>Uus</a:t>
+            </a:r>
+            <a:r>
+              <a:rPr lang="en-US" sz="2000" dirty="0">
+                <a:ea typeface="Inter"/>
+              </a:rPr>
+              <a:t> ja </a:t>
+            </a:r>
+            <a:r>
+              <a:rPr lang="en-US" sz="2000" dirty="0" err="1">
                 <a:ea typeface="Inter"/>
               </a:rPr>
               <a:t>vana</a:t>
             </a:r>
             <a:r>
-              <a:rPr lang="en-US" sz="2000">
+              <a:rPr lang="en-US" sz="2000" dirty="0">
                 <a:ea typeface="Inter"/>
               </a:rPr>
               <a:t> </a:t>
             </a:r>
             <a:r>
-              <a:rPr lang="en-US" sz="2000" err="1">
+              <a:rPr lang="en-US" sz="2000" dirty="0" err="1">
                 <a:ea typeface="Inter"/>
               </a:rPr>
               <a:t>kõrvuti</a:t>
             </a:r>
             <a:r>
-              <a:rPr lang="en-US" sz="2000">
+              <a:rPr lang="en-US" sz="2000" dirty="0">
                 <a:ea typeface="Inter"/>
               </a:rPr>
               <a:t> </a:t>
             </a:r>
             <a:r>
-              <a:rPr lang="en-US" sz="2000" err="1">
+              <a:rPr lang="en-US" sz="2000" dirty="0" err="1">
                 <a:ea typeface="Inter"/>
               </a:rPr>
               <a:t>tulpadesse</a:t>
             </a:r>
             <a:r>
-              <a:rPr lang="en-US" sz="2000">
+              <a:rPr lang="en-US" sz="2000" dirty="0">
                 <a:ea typeface="Inter"/>
               </a:rPr>
               <a:t>: </a:t>
             </a:r>
             <a:r>
-              <a:rPr lang="en-US" sz="2000">
+              <a:rPr lang="en-US" sz="2000" dirty="0">
                 <a:ea typeface="+mn-lt"/>
                 <a:cs typeface="+mn-lt"/>
               </a:rPr>
               <a:t>=FILTER(C:C;B:B="</a:t>
             </a:r>
             <a:r>
-              <a:rPr lang="en-US" sz="2000" err="1">
+              <a:rPr lang="en-US" sz="2000" dirty="0" err="1">
                 <a:ea typeface="+mn-lt"/>
                 <a:cs typeface="+mn-lt"/>
               </a:rPr>
               <a:t>vana</a:t>
             </a:r>
             <a:r>
-              <a:rPr lang="en-US" sz="2000">
+              <a:rPr lang="en-US" sz="2000" dirty="0">
                 <a:ea typeface="+mn-lt"/>
                 <a:cs typeface="+mn-lt"/>
               </a:rPr>
               <a:t>")</a:t>
             </a:r>
-            <a:endParaRPr lang="en-US" sz="2000">
+            <a:endParaRPr lang="en-US" sz="2000" dirty="0">
               <a:ea typeface="Inter"/>
             </a:endParaRPr>
           </a:p>
@@ -36490,30 +36568,30 @@
               </a:lnSpc>
             </a:pPr>
             <a:r>
-              <a:rPr lang="en-US" sz="2000" err="1">
+              <a:rPr lang="en-US" sz="2000" dirty="0" err="1">
                 <a:ea typeface="Inter"/>
               </a:rPr>
               <a:t>Kirjeldav</a:t>
             </a:r>
             <a:r>
-              <a:rPr lang="en-US" sz="2000">
+              <a:rPr lang="en-US" sz="2000" dirty="0">
                 <a:ea typeface="Inter"/>
               </a:rPr>
               <a:t> </a:t>
             </a:r>
             <a:r>
-              <a:rPr lang="en-US" sz="2000" err="1">
+              <a:rPr lang="en-US" sz="2000" dirty="0" err="1">
                 <a:ea typeface="Inter"/>
               </a:rPr>
               <a:t>statistika</a:t>
             </a:r>
             <a:r>
-              <a:rPr lang="en-US" sz="2000">
+              <a:rPr lang="en-US" sz="2000" dirty="0">
                 <a:ea typeface="Inter"/>
               </a:rPr>
               <a:t>: Data --&gt; Data Analysis --&gt; Descriptive Statistics</a:t>
             </a:r>
-            <a:endParaRPr lang="en-US" sz="2000"/>
+            <a:endParaRPr lang="en-US" sz="2000" dirty="0"/>
           </a:p>
           <a:p>
             <a:pPr>
@@ -36525,19 +36603,19 @@
               </a:buClr>
             </a:pPr>
             <a:r>
-              <a:rPr lang="en-US" sz="2000">
+              <a:rPr lang="en-US" sz="2000" dirty="0">
                 <a:ea typeface="Inter"/>
               </a:rPr>
               <a:t>Joonis </a:t>
             </a:r>
             <a:r>
-              <a:rPr lang="en-US" sz="2000" err="1">
+              <a:rPr lang="en-US" sz="2000" dirty="0" err="1">
                 <a:ea typeface="Inter"/>
               </a:rPr>
               <a:t>võrdluseks</a:t>
             </a:r>
             <a:r>
-              <a:rPr lang="en-US" sz="2000">
+              <a:rPr lang="en-US" sz="2000" dirty="0">
                 <a:ea typeface="Inter"/>
               </a:rPr>
               <a:t>: Insert --&gt; All Charts --&gt; Box &amp; Whisker</a:t>
@@ -36553,13 +36631,13 @@
               </a:buClr>
             </a:pPr>
             <a:r>
-              <a:rPr lang="en-US" sz="2000">
+              <a:rPr lang="en-US" sz="2000" dirty="0">
                 <a:ea typeface="Inter"/>
               </a:rPr>
               <a:t>T-test: Data --&gt; Data Analysis --&gt; </a:t>
             </a:r>
             <a:r>
-              <a:rPr lang="en-US" sz="2000">
+              <a:rPr lang="en-US" sz="2000" dirty="0">
                 <a:ea typeface="+mn-lt"/>
                 <a:cs typeface="+mn-lt"/>
               </a:rPr>
@@ -36576,37 +36654,37 @@
               </a:buClr>
             </a:pPr>
             <a:r>
-              <a:rPr lang="en-US" sz="2000">
+              <a:rPr lang="en-US" sz="2000" dirty="0">
                 <a:ea typeface="Inter"/>
               </a:rPr>
               <a:t>Loe </a:t>
             </a:r>
             <a:r>
-              <a:rPr lang="en-US" sz="2000" err="1">
+              <a:rPr lang="en-US" sz="2000" dirty="0" err="1">
                 <a:ea typeface="Inter"/>
               </a:rPr>
               <a:t>rohkem</a:t>
             </a:r>
             <a:r>
-              <a:rPr lang="en-US" sz="2000">
+              <a:rPr lang="en-US" sz="2000" dirty="0">
                 <a:ea typeface="Inter"/>
               </a:rPr>
               <a:t> t-</a:t>
             </a:r>
             <a:r>
-              <a:rPr lang="en-US" sz="2000" err="1">
+              <a:rPr lang="en-US" sz="2000" dirty="0" err="1">
                 <a:ea typeface="Inter"/>
               </a:rPr>
               <a:t>testist</a:t>
             </a:r>
             <a:r>
-              <a:rPr lang="en-US" sz="2000">
+              <a:rPr lang="en-US" sz="2000" dirty="0">
                 <a:ea typeface="Inter"/>
               </a:rPr>
               <a:t>: </a:t>
             </a:r>
             <a:r>
-              <a:rPr lang="en-US" sz="2000">
+              <a:rPr lang="en-US" sz="2000" dirty="0">
                 <a:ea typeface="+mn-lt"/>
                 <a:cs typeface="+mn-lt"/>
                 <a:hlinkClick r:id="rId2"/>
@@ -36614,7 +36692,7 @@
               <a:t>https://samm.ut.ee/t-test/</a:t>
             </a:r>
             <a:r>
-              <a:rPr lang="en-US" sz="2000">
+              <a:rPr lang="en-US" sz="2000" dirty="0">
                 <a:ea typeface="+mn-lt"/>
                 <a:cs typeface="+mn-lt"/>
               </a:rPr>
@@ -36627,7 +36705,7 @@
                 <a:srgbClr val="121212"/>
               </a:buClr>
             </a:pPr>
-            <a:endParaRPr lang="en-US" sz="2400"/>
+            <a:endParaRPr lang="en-US" sz="2400" dirty="0"/>
           </a:p>
         </p:txBody>
       </p:sp>
@@ -37122,108 +37200,6 @@
           <p:cNvPr id="2" name="Title 1">
             <a:extLst>
               <a:ext uri="{FF2B5EF4-FFF2-40B4-BE49-F238E27FC236}">
-                <a16:creationId xmlns:a16="http://schemas.microsoft.com/office/drawing/2014/main" id="{9E93F415-63C4-28DF-9D89-8D57A27F5D9D}"/>
-              </a:ext>
-            </a:extLst>
-          </p:cNvPr>
-          <p:cNvSpPr>
-            <a:spLocks noGrp="1"/>
-          </p:cNvSpPr>
-          <p:nvPr>
-            <p:ph type="ctrTitle"/>
-          </p:nvPr>
-        </p:nvSpPr>
-        <p:spPr/>
-        <p:txBody>
-          <a:bodyPr/>
-          <a:lstStyle/>
-          <a:p>
-            <a:r>
-              <a:rPr lang="en-US"/>
-              <a:t>P-</a:t>
-            </a:r>
-            <a:r>
-              <a:rPr lang="en-US" err="1"/>
-              <a:t>väärtuse</a:t>
-            </a:r>
-            <a:r>
-              <a:rPr lang="en-US"/>
-              <a:t> </a:t>
-            </a:r>
-            <a:r>
-              <a:rPr lang="en-US" err="1"/>
-              <a:t>tõlgendamine</a:t>
-            </a:r>
-          </a:p>
-        </p:txBody>
-      </p:sp>
-      <p:pic>
-        <p:nvPicPr>
-          <p:cNvPr id="4" name="Content Placeholder 3">
-            <a:extLst>
-              <a:ext uri="{FF2B5EF4-FFF2-40B4-BE49-F238E27FC236}">
-                <a16:creationId xmlns:a16="http://schemas.microsoft.com/office/drawing/2014/main" id="{C39C43C3-A3FB-2BD3-E6A5-FC7C8F3ADFD0}"/>
-              </a:ext>
-            </a:extLst>
-          </p:cNvPr>
-          <p:cNvPicPr>
-            <a:picLocks noGrp="1" noChangeAspect="1"/>
-          </p:cNvPicPr>
-          <p:nvPr>
-            <p:ph sz="quarter" idx="10"/>
-          </p:nvPr>
-        </p:nvPicPr>
-        <p:blipFill>
-          <a:blip r:embed="rId2"/>
-          <a:stretch>
-            <a:fillRect/>
-          </a:stretch>
-        </p:blipFill>
-        <p:spPr>
-          <a:xfrm>
-            <a:off x="1598053" y="1337936"/>
-            <a:ext cx="8759637" cy="4219014"/>
-          </a:xfrm>
-          <a:prstGeom prst="rect">
-            <a:avLst/>
-          </a:prstGeom>
-        </p:spPr>
-      </p:pic>
-    </p:spTree>
-    <p:extLst>
-      <p:ext uri="{BB962C8B-B14F-4D97-AF65-F5344CB8AC3E}">
-        <p14:creationId xmlns:p14="http://schemas.microsoft.com/office/powerpoint/2010/main" val="2568840069"/>
-      </p:ext>
-    </p:extLst>
-  </p:cSld>
-  <p:clrMapOvr>
-    <a:masterClrMapping/>
-  </p:clrMapOvr>
-</p:sld>
-</file>
-
-<file path=ppt/slides/slide22.xml><?xml version="1.0" encoding="utf-8"?>
-<p:sld xmlns:a="http://schemas.openxmlformats.org/drawingml/2006/main" xmlns:r="http://schemas.openxmlformats.org/officeDocument/2006/relationships" xmlns:p="http://schemas.openxmlformats.org/presentationml/2006/main">
-  <p:cSld>
-    <p:spTree>
-      <p:nvGrpSpPr>
-        <p:cNvPr id="1" name=""/>
-        <p:cNvGrpSpPr/>
-        <p:nvPr/>
-      </p:nvGrpSpPr>
-      <p:grpSpPr>
-        <a:xfrm>
-          <a:off x="0" y="0"/>
-          <a:ext cx="0" cy="0"/>
-          <a:chOff x="0" y="0"/>
-          <a:chExt cx="0" cy="0"/>
-        </a:xfrm>
-      </p:grpSpPr>
-      <p:sp>
-        <p:nvSpPr>
-          <p:cNvPr id="2" name="Title 1">
-            <a:extLst>
-              <a:ext uri="{FF2B5EF4-FFF2-40B4-BE49-F238E27FC236}">
                 <a16:creationId xmlns:a16="http://schemas.microsoft.com/office/drawing/2014/main" id="{4C33D483-D58B-7389-DBD3-DE812A5A45E1}"/>
               </a:ext>
             </a:extLst>
@@ -38670,7 +38646,7 @@
 </p:sld>
 </file>
 
-<file path=ppt/slides/slide23.xml><?xml version="1.0" encoding="utf-8"?>
+<file path=ppt/slides/slide22.xml><?xml version="1.0" encoding="utf-8"?>
 <p:sld xmlns:a="http://schemas.openxmlformats.org/drawingml/2006/main" xmlns:r="http://schemas.openxmlformats.org/officeDocument/2006/relationships" xmlns:p="http://schemas.openxmlformats.org/presentationml/2006/main">
   <p:cSld>
     <p:spTree>
@@ -38764,7 +38740,7 @@
               </a:lnSpc>
             </a:pPr>
             <a:r>
-              <a:rPr lang="en-US" sz="2000">
+              <a:rPr lang="en-US" sz="2000" dirty="0">
                 <a:solidFill>
                   <a:srgbClr val="121212"/>
                 </a:solidFill>
@@ -38773,7 +38749,7 @@
               <a:t>Kas </a:t>
             </a:r>
             <a:r>
-              <a:rPr lang="en-US" sz="2000" err="1">
+              <a:rPr lang="en-US" sz="2000" dirty="0" err="1">
                 <a:solidFill>
                   <a:srgbClr val="121212"/>
                 </a:solidFill>
@@ -38782,7 +38758,7 @@
               <a:t>ühest</a:t>
             </a:r>
             <a:r>
-              <a:rPr lang="en-US" sz="2000">
+              <a:rPr lang="en-US" sz="2000" dirty="0">
                 <a:solidFill>
                   <a:srgbClr val="121212"/>
                 </a:solidFill>
@@ -38791,7 +38767,7 @@
               <a:t> </a:t>
             </a:r>
             <a:r>
-              <a:rPr lang="en-US" sz="2000" err="1">
+              <a:rPr lang="en-US" sz="2000" dirty="0" err="1">
                 <a:solidFill>
                   <a:srgbClr val="121212"/>
                 </a:solidFill>
@@ -38800,7 +38776,7 @@
               <a:t>reklaamikanalist</a:t>
             </a:r>
             <a:r>
-              <a:rPr lang="en-US" sz="2000">
+              <a:rPr lang="en-US" sz="2000" dirty="0">
                 <a:solidFill>
                   <a:srgbClr val="121212"/>
                 </a:solidFill>
@@ -38809,7 +38785,7 @@
               <a:t> </a:t>
             </a:r>
             <a:r>
-              <a:rPr lang="en-US" sz="2000" err="1">
+              <a:rPr lang="en-US" sz="2000" dirty="0" err="1">
                 <a:solidFill>
                   <a:srgbClr val="121212"/>
                 </a:solidFill>
@@ -38818,7 +38794,7 @@
               <a:t>tuleb</a:t>
             </a:r>
             <a:r>
-              <a:rPr lang="en-US" sz="2000">
+              <a:rPr lang="en-US" sz="2000" dirty="0">
                 <a:solidFill>
                   <a:srgbClr val="121212"/>
                 </a:solidFill>
@@ -38827,7 +38803,7 @@
               <a:t> </a:t>
             </a:r>
             <a:r>
-              <a:rPr lang="en-US" sz="2000" err="1">
+              <a:rPr lang="en-US" sz="2000" dirty="0" err="1">
                 <a:solidFill>
                   <a:srgbClr val="121212"/>
                 </a:solidFill>
@@ -38836,7 +38812,7 @@
               <a:t>rohkem</a:t>
             </a:r>
             <a:r>
-              <a:rPr lang="en-US" sz="2000">
+              <a:rPr lang="en-US" sz="2000" dirty="0">
                 <a:solidFill>
                   <a:srgbClr val="121212"/>
                 </a:solidFill>
@@ -38845,7 +38821,7 @@
               <a:t> </a:t>
             </a:r>
             <a:r>
-              <a:rPr lang="en-US" sz="2000" err="1">
+              <a:rPr lang="en-US" sz="2000" dirty="0" err="1">
                 <a:solidFill>
                   <a:srgbClr val="121212"/>
                 </a:solidFill>
@@ -38854,7 +38830,7 @@
               <a:t>liitumisi</a:t>
             </a:r>
             <a:r>
-              <a:rPr lang="en-US" sz="2000">
+              <a:rPr lang="en-US" sz="2000" dirty="0">
                 <a:solidFill>
                   <a:srgbClr val="121212"/>
                 </a:solidFill>
@@ -38873,7 +38849,7 @@
               </a:buClr>
             </a:pPr>
             <a:r>
-              <a:rPr lang="en-US" sz="2000" err="1">
+              <a:rPr lang="en-US" sz="2000" dirty="0" err="1">
                 <a:solidFill>
                   <a:srgbClr val="121212"/>
                 </a:solidFill>
@@ -38882,7 +38858,7 @@
               <a:t>Andmestik</a:t>
             </a:r>
             <a:r>
-              <a:rPr lang="en-US" sz="2000">
+              <a:rPr lang="en-US" sz="2000" dirty="0">
                 <a:solidFill>
                   <a:srgbClr val="121212"/>
                 </a:solidFill>
@@ -38901,7 +38877,7 @@
               </a:buClr>
             </a:pPr>
             <a:r>
-              <a:rPr lang="en-US" sz="2000" err="1">
+              <a:rPr lang="en-US" sz="2000" dirty="0" err="1">
                 <a:solidFill>
                   <a:srgbClr val="121212"/>
                 </a:solidFill>
@@ -38910,7 +38886,7 @@
               <a:t>Esmane</a:t>
             </a:r>
             <a:r>
-              <a:rPr lang="en-US" sz="2000">
+              <a:rPr lang="en-US" sz="2000" dirty="0">
                 <a:solidFill>
                   <a:srgbClr val="121212"/>
                 </a:solidFill>
@@ -38919,7 +38895,7 @@
               <a:t> </a:t>
             </a:r>
             <a:r>
-              <a:rPr lang="en-US" sz="2000" err="1">
+              <a:rPr lang="en-US" sz="2000" dirty="0" err="1">
                 <a:solidFill>
                   <a:srgbClr val="121212"/>
                 </a:solidFill>
@@ -38928,7 +38904,7 @@
               <a:t>võrdlus</a:t>
             </a:r>
             <a:r>
-              <a:rPr lang="en-US" sz="2000">
+              <a:rPr lang="en-US" sz="2000" dirty="0">
                 <a:solidFill>
                   <a:srgbClr val="121212"/>
                 </a:solidFill>
@@ -38937,7 +38913,7 @@
               <a:t> - </a:t>
             </a:r>
             <a:r>
-              <a:rPr lang="en-US" sz="2000" err="1">
+              <a:rPr lang="en-US" sz="2000" dirty="0" err="1">
                 <a:solidFill>
                   <a:srgbClr val="121212"/>
                 </a:solidFill>
@@ -38946,7 +38922,7 @@
               <a:t>risttabel</a:t>
             </a:r>
             <a:r>
-              <a:rPr lang="en-US" sz="2000">
+              <a:rPr lang="en-US" sz="2000" dirty="0">
                 <a:solidFill>
                   <a:srgbClr val="121212"/>
                 </a:solidFill>
@@ -38954,7 +38930,7 @@
               </a:rPr>
               <a:t> </a:t>
             </a:r>
-            <a:endParaRPr lang="en-US" sz="2000">
+            <a:endParaRPr lang="en-US" sz="2000" dirty="0">
               <a:solidFill>
                 <a:srgbClr val="121212"/>
               </a:solidFill>
@@ -38969,7 +38945,7 @@
               <a:buChar char="o"/>
             </a:pPr>
             <a:r>
-              <a:rPr lang="en-US" sz="2000" err="1">
+              <a:rPr lang="en-US" sz="2000" dirty="0" err="1">
                 <a:solidFill>
                   <a:srgbClr val="121212"/>
                 </a:solidFill>
@@ -38978,7 +38954,7 @@
               <a:t>Kuidas</a:t>
             </a:r>
             <a:r>
-              <a:rPr lang="en-US" sz="2000">
+              <a:rPr lang="en-US" sz="2000" dirty="0">
                 <a:solidFill>
                   <a:srgbClr val="121212"/>
                 </a:solidFill>
@@ -38987,7 +38963,7 @@
               <a:t> </a:t>
             </a:r>
             <a:r>
-              <a:rPr lang="en-US" sz="2000" err="1">
+              <a:rPr lang="en-US" sz="2000" dirty="0" err="1">
                 <a:solidFill>
                   <a:srgbClr val="121212"/>
                 </a:solidFill>
@@ -38996,7 +38972,7 @@
               <a:t>erinevus</a:t>
             </a:r>
             <a:r>
-              <a:rPr lang="en-US" sz="2000">
+              <a:rPr lang="en-US" sz="2000" dirty="0">
                 <a:solidFill>
                   <a:srgbClr val="121212"/>
                 </a:solidFill>
@@ -39005,7 +38981,7 @@
               <a:t> </a:t>
             </a:r>
             <a:r>
-              <a:rPr lang="en-US" sz="2000" err="1">
+              <a:rPr lang="en-US" sz="2000" dirty="0" err="1">
                 <a:solidFill>
                   <a:srgbClr val="121212"/>
                 </a:solidFill>
@@ -39014,7 +38990,7 @@
               <a:t>tundub</a:t>
             </a:r>
             <a:r>
-              <a:rPr lang="en-US" sz="2000">
+              <a:rPr lang="en-US" sz="2000" dirty="0">
                 <a:solidFill>
                   <a:srgbClr val="121212"/>
                 </a:solidFill>
@@ -39032,7 +39008,7 @@
               <a:buChar char="o"/>
             </a:pPr>
             <a:r>
-              <a:rPr lang="en-US" sz="2000" err="1">
+              <a:rPr lang="en-US" sz="2000" dirty="0" err="1">
                 <a:solidFill>
                   <a:srgbClr val="121212"/>
                 </a:solidFill>
@@ -39041,7 +39017,7 @@
               <a:t>Kuidas</a:t>
             </a:r>
             <a:r>
-              <a:rPr lang="en-US" sz="2000">
+              <a:rPr lang="en-US" sz="2000" dirty="0">
                 <a:solidFill>
                   <a:srgbClr val="121212"/>
                 </a:solidFill>
@@ -39050,7 +39026,7 @@
               <a:t> </a:t>
             </a:r>
             <a:r>
-              <a:rPr lang="en-US" sz="2000" err="1">
+              <a:rPr lang="en-US" sz="2000" dirty="0" err="1">
                 <a:solidFill>
                   <a:srgbClr val="121212"/>
                 </a:solidFill>
@@ -39059,7 +39035,7 @@
               <a:t>võrrelda</a:t>
             </a:r>
             <a:r>
-              <a:rPr lang="en-US" sz="2000">
+              <a:rPr lang="en-US" sz="2000" dirty="0">
                 <a:solidFill>
                   <a:srgbClr val="121212"/>
                 </a:solidFill>
@@ -39067,7 +39043,7 @@
               </a:rPr>
               <a:t>?</a:t>
             </a:r>
-            <a:endParaRPr lang="en-US" sz="2000">
+            <a:endParaRPr lang="en-US" sz="2000" dirty="0">
               <a:solidFill>
                 <a:srgbClr val="121212"/>
               </a:solidFill>
@@ -39082,7 +39058,7 @@
               <a:buChar char="§"/>
             </a:pPr>
             <a:r>
-              <a:rPr lang="en-US" sz="2000">
+              <a:rPr lang="en-US" sz="2000" dirty="0">
                 <a:solidFill>
                   <a:srgbClr val="121212"/>
                 </a:solidFill>
@@ -39091,7 +39067,7 @@
               <a:t>% </a:t>
             </a:r>
             <a:r>
-              <a:rPr lang="en-US" sz="2000" err="1">
+              <a:rPr lang="en-US" sz="2000" dirty="0" err="1">
                 <a:solidFill>
                   <a:srgbClr val="121212"/>
                 </a:solidFill>
@@ -39099,7 +39075,7 @@
               </a:rPr>
               <a:t>jaotus</a:t>
             </a:r>
-            <a:endParaRPr lang="en-US" sz="2000">
+            <a:endParaRPr lang="en-US" sz="2000" dirty="0">
               <a:solidFill>
                 <a:srgbClr val="121212"/>
               </a:solidFill>
@@ -39116,7 +39092,7 @@
               </a:buClr>
             </a:pPr>
             <a:r>
-              <a:rPr lang="en-US" sz="2000" err="1">
+              <a:rPr lang="en-US" sz="2000" dirty="0" err="1">
                 <a:solidFill>
                   <a:srgbClr val="121212"/>
                 </a:solidFill>
@@ -39125,7 +39101,7 @@
               <a:t>Statistiline</a:t>
             </a:r>
             <a:r>
-              <a:rPr lang="en-US" sz="2000">
+              <a:rPr lang="en-US" sz="2000" dirty="0">
                 <a:solidFill>
                   <a:srgbClr val="121212"/>
                 </a:solidFill>
@@ -39134,7 +39110,7 @@
               <a:t> </a:t>
             </a:r>
             <a:r>
-              <a:rPr lang="en-US" sz="2000" err="1">
+              <a:rPr lang="en-US" sz="2000" dirty="0" err="1">
                 <a:solidFill>
                   <a:srgbClr val="121212"/>
                 </a:solidFill>
@@ -39143,7 +39119,7 @@
               <a:t>võrdlus</a:t>
             </a:r>
             <a:r>
-              <a:rPr lang="en-US" sz="2000">
+              <a:rPr lang="en-US" sz="2000" dirty="0">
                 <a:solidFill>
                   <a:srgbClr val="121212"/>
                 </a:solidFill>
@@ -39152,7 +39128,7 @@
               <a:t> - </a:t>
             </a:r>
             <a:r>
-              <a:rPr lang="en-US" sz="2000" err="1">
+              <a:rPr lang="en-US" sz="2000" dirty="0" err="1">
                 <a:solidFill>
                   <a:srgbClr val="121212"/>
                 </a:solidFill>
@@ -39160,7 +39136,7 @@
               </a:rPr>
               <a:t>hii-ruut-statistik</a:t>
             </a:r>
-            <a:endParaRPr lang="en-US" sz="2000" err="1">
+            <a:endParaRPr lang="en-US" sz="2000" dirty="0">
               <a:solidFill>
                 <a:srgbClr val="121212"/>
               </a:solidFill>
@@ -39175,7 +39151,7 @@
               <a:buChar char="o"/>
             </a:pPr>
             <a:r>
-              <a:rPr lang="en-US" sz="2000">
+              <a:rPr lang="en-US" sz="2000" dirty="0">
                 <a:solidFill>
                   <a:srgbClr val="121212"/>
                 </a:solidFill>
@@ -39184,7 +39160,7 @@
               <a:t>Loo </a:t>
             </a:r>
             <a:r>
-              <a:rPr lang="en-US" sz="2000" err="1">
+              <a:rPr lang="en-US" sz="2000" dirty="0" err="1">
                 <a:solidFill>
                   <a:srgbClr val="121212"/>
                 </a:solidFill>
@@ -39193,7 +39169,7 @@
               <a:t>oodatava</a:t>
             </a:r>
             <a:r>
-              <a:rPr lang="en-US" sz="2000">
+              <a:rPr lang="en-US" sz="2000" dirty="0">
                 <a:solidFill>
                   <a:srgbClr val="121212"/>
                 </a:solidFill>
@@ -39202,7 +39178,7 @@
               <a:t> </a:t>
             </a:r>
             <a:r>
-              <a:rPr lang="en-US" sz="2000" err="1">
+              <a:rPr lang="en-US" sz="2000" dirty="0" err="1">
                 <a:solidFill>
                   <a:srgbClr val="121212"/>
                 </a:solidFill>
@@ -39211,7 +39187,7 @@
               <a:t>tulemuse</a:t>
             </a:r>
             <a:r>
-              <a:rPr lang="en-US" sz="2000">
+              <a:rPr lang="en-US" sz="2000" dirty="0">
                 <a:solidFill>
                   <a:srgbClr val="121212"/>
                 </a:solidFill>
@@ -39220,7 +39196,7 @@
               <a:t> </a:t>
             </a:r>
             <a:r>
-              <a:rPr lang="en-US" sz="2000" err="1">
+              <a:rPr lang="en-US" sz="2000" dirty="0" err="1">
                 <a:solidFill>
                   <a:srgbClr val="121212"/>
                 </a:solidFill>
@@ -39228,7 +39204,7 @@
               </a:rPr>
               <a:t>tabel</a:t>
             </a:r>
-            <a:endParaRPr lang="en-US" sz="2000" err="1">
+            <a:endParaRPr lang="en-US" sz="2000" dirty="0">
               <a:solidFill>
                 <a:srgbClr val="121212"/>
               </a:solidFill>
@@ -39243,7 +39219,7 @@
               <a:buChar char="o"/>
             </a:pPr>
             <a:r>
-              <a:rPr lang="en-US" sz="2000" err="1">
+              <a:rPr lang="en-US" sz="2000" dirty="0" err="1">
                 <a:solidFill>
                   <a:srgbClr val="121212"/>
                 </a:solidFill>
@@ -39252,7 +39228,7 @@
               <a:t>Arvuta</a:t>
             </a:r>
             <a:r>
-              <a:rPr lang="en-US" sz="2000">
+              <a:rPr lang="en-US" sz="2000" dirty="0">
                 <a:solidFill>
                   <a:srgbClr val="121212"/>
                 </a:solidFill>
@@ -39261,7 +39237,7 @@
               <a:t> </a:t>
             </a:r>
             <a:r>
-              <a:rPr lang="en-US" sz="2000" err="1">
+              <a:rPr lang="en-US" sz="2000" dirty="0" err="1">
                 <a:solidFill>
                   <a:srgbClr val="121212"/>
                 </a:solidFill>
@@ -39270,7 +39246,7 @@
               <a:t>hii-ruut-statistiku</a:t>
             </a:r>
             <a:r>
-              <a:rPr lang="en-US" sz="2000">
+              <a:rPr lang="en-US" sz="2000" dirty="0">
                 <a:solidFill>
                   <a:srgbClr val="121212"/>
                 </a:solidFill>
@@ -39279,7 +39255,7 @@
               <a:t> p-</a:t>
             </a:r>
             <a:r>
-              <a:rPr lang="en-US" sz="2000" err="1">
+              <a:rPr lang="en-US" sz="2000" dirty="0" err="1">
                 <a:solidFill>
                   <a:srgbClr val="121212"/>
                 </a:solidFill>
@@ -39287,7 +39263,7 @@
               </a:rPr>
               <a:t>väärtus</a:t>
             </a:r>
-            <a:endParaRPr lang="en-US" sz="2000" err="1">
+            <a:endParaRPr lang="en-US" sz="2000" dirty="0">
               <a:solidFill>
                 <a:srgbClr val="121212"/>
               </a:solidFill>
@@ -39302,7 +39278,7 @@
               <a:buChar char="§"/>
             </a:pPr>
             <a:r>
-              <a:rPr lang="en-US" sz="2000">
+              <a:rPr lang="en-US" sz="2000" dirty="0">
                 <a:solidFill>
                   <a:srgbClr val="121212"/>
                 </a:solidFill>
@@ -39313,7 +39289,7 @@
               <a:t>CHISQ.TEST(</a:t>
             </a:r>
             <a:r>
-              <a:rPr lang="en-US" sz="2000" err="1">
+              <a:rPr lang="en-US" sz="2000" dirty="0" err="1">
                 <a:solidFill>
                   <a:srgbClr val="121212"/>
                 </a:solidFill>
@@ -39324,7 +39300,7 @@
               <a:t>actual_range,expected_range</a:t>
             </a:r>
             <a:r>
-              <a:rPr lang="en-US" sz="2000">
+              <a:rPr lang="en-US" sz="2000" dirty="0">
                 <a:solidFill>
                   <a:srgbClr val="121212"/>
                 </a:solidFill>
@@ -39334,7 +39310,7 @@
               </a:rPr>
               <a:t>)</a:t>
             </a:r>
-            <a:endParaRPr lang="en-US" sz="2000">
+            <a:endParaRPr lang="en-US" sz="2000" dirty="0">
               <a:solidFill>
                 <a:srgbClr val="121212"/>
               </a:solidFill>
@@ -39345,7 +39321,7 @@
             <a:pPr marL="457200" lvl="1" indent="0">
               <a:buNone/>
             </a:pPr>
-            <a:endParaRPr lang="en-US" sz="2000">
+            <a:endParaRPr lang="en-US" sz="2000" dirty="0">
               <a:solidFill>
                 <a:srgbClr val="121212"/>
               </a:solidFill>
@@ -39357,7 +39333,7 @@
                 <a:srgbClr val="121212"/>
               </a:buClr>
             </a:pPr>
-            <a:endParaRPr lang="en-US" sz="2000">
+            <a:endParaRPr lang="en-US" sz="2000" dirty="0">
               <a:solidFill>
                 <a:srgbClr val="121212"/>
               </a:solidFill>
@@ -39865,7 +39841,7 @@
 </p:sld>
 </file>
 
-<file path=ppt/slides/slide24.xml><?xml version="1.0" encoding="utf-8"?>
+<file path=ppt/slides/slide23.xml><?xml version="1.0" encoding="utf-8"?>
 <p:sld xmlns:a="http://schemas.openxmlformats.org/drawingml/2006/main" xmlns:r="http://schemas.openxmlformats.org/officeDocument/2006/relationships" xmlns:p="http://schemas.openxmlformats.org/presentationml/2006/main">
   <p:cSld>
     <p:spTree>
@@ -40157,7 +40133,2022 @@
 </p:sld>
 </file>
 
+<file path=ppt/slides/slide24.xml><?xml version="1.0" encoding="utf-8"?>
+<p:sld xmlns:a="http://schemas.openxmlformats.org/drawingml/2006/main" xmlns:r="http://schemas.openxmlformats.org/officeDocument/2006/relationships" xmlns:p="http://schemas.openxmlformats.org/presentationml/2006/main">
+  <p:cSld>
+    <p:spTree>
+      <p:nvGrpSpPr>
+        <p:cNvPr id="1" name="">
+          <a:extLst>
+            <a:ext uri="{FF2B5EF4-FFF2-40B4-BE49-F238E27FC236}">
+              <a16:creationId xmlns:a16="http://schemas.microsoft.com/office/drawing/2014/main" id="{4A099FCD-1FAC-9C66-3245-6CC75BBF06D8}"/>
+            </a:ext>
+          </a:extLst>
+        </p:cNvPr>
+        <p:cNvGrpSpPr/>
+        <p:nvPr/>
+      </p:nvGrpSpPr>
+      <p:grpSpPr>
+        <a:xfrm>
+          <a:off x="0" y="0"/>
+          <a:ext cx="0" cy="0"/>
+          <a:chOff x="0" y="0"/>
+          <a:chExt cx="0" cy="0"/>
+        </a:xfrm>
+      </p:grpSpPr>
+      <p:sp>
+        <p:nvSpPr>
+          <p:cNvPr id="3" name="Content Placeholder 2">
+            <a:extLst>
+              <a:ext uri="{FF2B5EF4-FFF2-40B4-BE49-F238E27FC236}">
+                <a16:creationId xmlns:a16="http://schemas.microsoft.com/office/drawing/2014/main" id="{D863D522-8B6B-AC13-AE89-589D6137986B}"/>
+              </a:ext>
+            </a:extLst>
+          </p:cNvPr>
+          <p:cNvSpPr>
+            <a:spLocks noGrp="1"/>
+          </p:cNvSpPr>
+          <p:nvPr>
+            <p:ph sz="quarter" idx="10"/>
+          </p:nvPr>
+        </p:nvSpPr>
+        <p:spPr/>
+        <p:txBody>
+          <a:bodyPr/>
+          <a:lstStyle/>
+          <a:p>
+            <a:pPr marL="0" indent="0">
+              <a:lnSpc>
+                <a:spcPct val="150000"/>
+              </a:lnSpc>
+              <a:buNone/>
+            </a:pPr>
+            <a:endParaRPr lang="en-US" sz="2800">
+              <a:ea typeface="Inter"/>
+            </a:endParaRPr>
+          </a:p>
+          <a:p>
+            <a:pPr marL="457200" lvl="1" indent="0">
+              <a:lnSpc>
+                <a:spcPct val="150000"/>
+              </a:lnSpc>
+              <a:buNone/>
+            </a:pPr>
+            <a:endParaRPr lang="en-US" sz="2000">
+              <a:ea typeface="Inter"/>
+            </a:endParaRPr>
+          </a:p>
+        </p:txBody>
+      </p:sp>
+      <p:sp>
+        <p:nvSpPr>
+          <p:cNvPr id="5" name="Title 4">
+            <a:extLst>
+              <a:ext uri="{FF2B5EF4-FFF2-40B4-BE49-F238E27FC236}">
+                <a16:creationId xmlns:a16="http://schemas.microsoft.com/office/drawing/2014/main" id="{648003D5-4AA3-8A46-050E-409C5B8B105B}"/>
+              </a:ext>
+            </a:extLst>
+          </p:cNvPr>
+          <p:cNvSpPr>
+            <a:spLocks noGrp="1"/>
+          </p:cNvSpPr>
+          <p:nvPr>
+            <p:ph type="ctrTitle"/>
+          </p:nvPr>
+        </p:nvSpPr>
+        <p:spPr>
+          <a:xfrm>
+            <a:off x="3461336" y="2675333"/>
+            <a:ext cx="6575007" cy="357043"/>
+          </a:xfrm>
+        </p:spPr>
+        <p:txBody>
+          <a:bodyPr/>
+          <a:lstStyle/>
+          <a:p>
+            <a:r>
+              <a:rPr lang="en-US" err="1"/>
+              <a:t>Lõunapaus</a:t>
+            </a:r>
+            <a:r>
+              <a:rPr lang="en-US"/>
+              <a:t> 12:15-13:15</a:t>
+            </a:r>
+          </a:p>
+        </p:txBody>
+      </p:sp>
+    </p:spTree>
+    <p:extLst>
+      <p:ext uri="{BB962C8B-B14F-4D97-AF65-F5344CB8AC3E}">
+        <p14:creationId xmlns:p14="http://schemas.microsoft.com/office/powerpoint/2010/main" val="668381796"/>
+      </p:ext>
+    </p:extLst>
+  </p:cSld>
+  <p:clrMapOvr>
+    <a:masterClrMapping/>
+  </p:clrMapOvr>
+</p:sld>
+</file>
+
 <file path=ppt/slides/slide25.xml><?xml version="1.0" encoding="utf-8"?>
+<p:sld xmlns:a="http://schemas.openxmlformats.org/drawingml/2006/main" xmlns:r="http://schemas.openxmlformats.org/officeDocument/2006/relationships" xmlns:p="http://schemas.openxmlformats.org/presentationml/2006/main">
+  <p:cSld>
+    <p:spTree>
+      <p:nvGrpSpPr>
+        <p:cNvPr id="1" name="">
+          <a:extLst>
+            <a:ext uri="{FF2B5EF4-FFF2-40B4-BE49-F238E27FC236}">
+              <a16:creationId xmlns:a16="http://schemas.microsoft.com/office/drawing/2014/main" id="{C4FED116-581A-DB15-C7E7-142C87EDEA6E}"/>
+            </a:ext>
+          </a:extLst>
+        </p:cNvPr>
+        <p:cNvGrpSpPr/>
+        <p:nvPr/>
+      </p:nvGrpSpPr>
+      <p:grpSpPr>
+        <a:xfrm>
+          <a:off x="0" y="0"/>
+          <a:ext cx="0" cy="0"/>
+          <a:chOff x="0" y="0"/>
+          <a:chExt cx="0" cy="0"/>
+        </a:xfrm>
+      </p:grpSpPr>
+      <p:sp>
+        <p:nvSpPr>
+          <p:cNvPr id="2" name="Title 1">
+            <a:extLst>
+              <a:ext uri="{FF2B5EF4-FFF2-40B4-BE49-F238E27FC236}">
+                <a16:creationId xmlns:a16="http://schemas.microsoft.com/office/drawing/2014/main" id="{49982C9B-F057-34C3-19E3-EB4FFD51CEE0}"/>
+              </a:ext>
+            </a:extLst>
+          </p:cNvPr>
+          <p:cNvSpPr>
+            <a:spLocks noGrp="1"/>
+          </p:cNvSpPr>
+          <p:nvPr>
+            <p:ph type="ctrTitle"/>
+          </p:nvPr>
+        </p:nvSpPr>
+        <p:spPr/>
+        <p:txBody>
+          <a:bodyPr/>
+          <a:lstStyle/>
+          <a:p>
+            <a:r>
+              <a:rPr lang="en-US" sz="2400" dirty="0" err="1"/>
+              <a:t>Kinnisvarahindade</a:t>
+            </a:r>
+            <a:r>
+              <a:rPr lang="en-US" sz="2400" dirty="0"/>
+              <a:t> </a:t>
+            </a:r>
+            <a:r>
+              <a:rPr lang="en-US" sz="2400" dirty="0" err="1"/>
+              <a:t>seos</a:t>
+            </a:r>
+            <a:r>
+              <a:rPr lang="en-US" sz="2400" dirty="0"/>
+              <a:t> </a:t>
+            </a:r>
+            <a:r>
+              <a:rPr lang="en-US" sz="2400" dirty="0" err="1"/>
+              <a:t>kinnisvara</a:t>
+            </a:r>
+            <a:r>
+              <a:rPr lang="en-US" sz="2400" dirty="0"/>
+              <a:t> </a:t>
+            </a:r>
+            <a:r>
+              <a:rPr lang="en-US" sz="2400" dirty="0" err="1"/>
+              <a:t>suurusega</a:t>
+            </a:r>
+            <a:r>
+              <a:rPr lang="en-US" sz="2400" dirty="0"/>
+              <a:t> </a:t>
+            </a:r>
+            <a:r>
+              <a:rPr lang="en-US" sz="2400" dirty="0" err="1"/>
+              <a:t>analüüs</a:t>
+            </a:r>
+            <a:r>
+              <a:rPr lang="en-US" sz="2400" dirty="0"/>
+              <a:t> </a:t>
+            </a:r>
+            <a:r>
+              <a:rPr lang="en-US" sz="2400" dirty="0" err="1"/>
+              <a:t>Exceliga</a:t>
+            </a:r>
+            <a:endParaRPr lang="en-US" sz="2400" dirty="0"/>
+          </a:p>
+        </p:txBody>
+      </p:sp>
+      <p:sp>
+        <p:nvSpPr>
+          <p:cNvPr id="3" name="Content Placeholder 2">
+            <a:extLst>
+              <a:ext uri="{FF2B5EF4-FFF2-40B4-BE49-F238E27FC236}">
+                <a16:creationId xmlns:a16="http://schemas.microsoft.com/office/drawing/2014/main" id="{EEAD82DD-11F7-C6CC-5DC6-0C6419264809}"/>
+              </a:ext>
+            </a:extLst>
+          </p:cNvPr>
+          <p:cNvSpPr>
+            <a:spLocks noGrp="1"/>
+          </p:cNvSpPr>
+          <p:nvPr>
+            <p:ph sz="quarter" idx="10"/>
+          </p:nvPr>
+        </p:nvSpPr>
+        <p:spPr/>
+        <p:txBody>
+          <a:bodyPr/>
+          <a:lstStyle/>
+          <a:p>
+            <a:pPr>
+              <a:lnSpc>
+                <a:spcPct val="150000"/>
+              </a:lnSpc>
+            </a:pPr>
+            <a:r>
+              <a:rPr lang="en-US" sz="2000" dirty="0" err="1">
+                <a:solidFill>
+                  <a:srgbClr val="121212"/>
+                </a:solidFill>
+                <a:ea typeface="Inter"/>
+              </a:rPr>
+              <a:t>Kuidas</a:t>
+            </a:r>
+            <a:r>
+              <a:rPr lang="en-US" sz="2000" dirty="0">
+                <a:solidFill>
+                  <a:srgbClr val="121212"/>
+                </a:solidFill>
+                <a:ea typeface="Inter"/>
+              </a:rPr>
+              <a:t> on </a:t>
+            </a:r>
+            <a:r>
+              <a:rPr lang="en-US" sz="2000" dirty="0" err="1">
+                <a:solidFill>
+                  <a:srgbClr val="121212"/>
+                </a:solidFill>
+                <a:ea typeface="Inter"/>
+              </a:rPr>
+              <a:t>seotud</a:t>
+            </a:r>
+            <a:r>
+              <a:rPr lang="en-US" sz="2000" dirty="0">
+                <a:solidFill>
+                  <a:srgbClr val="121212"/>
+                </a:solidFill>
+                <a:ea typeface="Inter"/>
+              </a:rPr>
+              <a:t> </a:t>
+            </a:r>
+            <a:r>
+              <a:rPr lang="en-US" sz="2000" dirty="0" err="1">
+                <a:solidFill>
+                  <a:srgbClr val="121212"/>
+                </a:solidFill>
+                <a:ea typeface="Inter"/>
+              </a:rPr>
+              <a:t>kinnisvara</a:t>
+            </a:r>
+            <a:r>
+              <a:rPr lang="en-US" sz="2000" dirty="0">
+                <a:solidFill>
+                  <a:srgbClr val="121212"/>
+                </a:solidFill>
+                <a:ea typeface="Inter"/>
+              </a:rPr>
+              <a:t> </a:t>
+            </a:r>
+            <a:r>
+              <a:rPr lang="en-US" sz="2000" dirty="0" err="1">
+                <a:solidFill>
+                  <a:srgbClr val="121212"/>
+                </a:solidFill>
+                <a:ea typeface="Inter"/>
+              </a:rPr>
+              <a:t>suurus</a:t>
+            </a:r>
+            <a:r>
+              <a:rPr lang="en-US" sz="2000" dirty="0">
+                <a:solidFill>
+                  <a:srgbClr val="121212"/>
+                </a:solidFill>
+                <a:ea typeface="Inter"/>
+              </a:rPr>
+              <a:t> ja </a:t>
+            </a:r>
+            <a:r>
+              <a:rPr lang="en-US" sz="2000" dirty="0" err="1">
+                <a:solidFill>
+                  <a:srgbClr val="121212"/>
+                </a:solidFill>
+                <a:ea typeface="Inter"/>
+              </a:rPr>
+              <a:t>kinnisvara</a:t>
+            </a:r>
+            <a:r>
+              <a:rPr lang="en-US" sz="2000" dirty="0">
+                <a:solidFill>
+                  <a:srgbClr val="121212"/>
+                </a:solidFill>
+                <a:ea typeface="Inter"/>
+              </a:rPr>
+              <a:t> hind?</a:t>
+            </a:r>
+          </a:p>
+          <a:p>
+            <a:pPr>
+              <a:lnSpc>
+                <a:spcPct val="150000"/>
+              </a:lnSpc>
+            </a:pPr>
+            <a:r>
+              <a:rPr lang="en-US" sz="2000" dirty="0">
+                <a:solidFill>
+                  <a:srgbClr val="121212"/>
+                </a:solidFill>
+                <a:latin typeface="Inter" panose="02000503000000020004" pitchFamily="2" charset="0"/>
+                <a:ea typeface="Inter"/>
+              </a:rPr>
+              <a:t>Day4 </a:t>
+            </a:r>
+            <a:r>
+              <a:rPr lang="en-US" sz="2000" dirty="0">
+                <a:solidFill>
+                  <a:srgbClr val="121212"/>
+                </a:solidFill>
+                <a:latin typeface="Inter" panose="02000503000000020004" pitchFamily="2" charset="0"/>
+                <a:ea typeface="Inter"/>
+                <a:sym typeface="Wingdings" panose="05000000000000000000" pitchFamily="2" charset="2"/>
+              </a:rPr>
+              <a:t> kinnisvara_andmestik.xlsx</a:t>
+            </a:r>
+            <a:endParaRPr lang="en-US" sz="2000" dirty="0">
+              <a:solidFill>
+                <a:srgbClr val="121212"/>
+              </a:solidFill>
+              <a:latin typeface="Inter" panose="02000503000000020004" pitchFamily="2" charset="0"/>
+              <a:sym typeface="Wingdings" panose="05000000000000000000" pitchFamily="2" charset="2"/>
+            </a:endParaRPr>
+          </a:p>
+          <a:p>
+            <a:pPr>
+              <a:lnSpc>
+                <a:spcPct val="150000"/>
+              </a:lnSpc>
+            </a:pPr>
+            <a:r>
+              <a:rPr lang="en-US" sz="2000" dirty="0">
+                <a:solidFill>
+                  <a:srgbClr val="121212"/>
+                </a:solidFill>
+                <a:latin typeface="Inter" panose="02000503000000020004" pitchFamily="2" charset="0"/>
+                <a:sym typeface="Wingdings" panose="05000000000000000000" pitchFamily="2" charset="2"/>
+              </a:rPr>
+              <a:t>Mis </a:t>
+            </a:r>
+            <a:r>
+              <a:rPr lang="en-US" sz="2000" dirty="0" err="1">
+                <a:solidFill>
+                  <a:srgbClr val="121212"/>
+                </a:solidFill>
+                <a:latin typeface="Inter" panose="02000503000000020004" pitchFamily="2" charset="0"/>
+                <a:sym typeface="Wingdings" panose="05000000000000000000" pitchFamily="2" charset="2"/>
+              </a:rPr>
+              <a:t>analüüsi</a:t>
+            </a:r>
+            <a:r>
+              <a:rPr lang="en-US" sz="2000" dirty="0">
+                <a:solidFill>
+                  <a:srgbClr val="121212"/>
+                </a:solidFill>
+                <a:latin typeface="Inter" panose="02000503000000020004" pitchFamily="2" charset="0"/>
+                <a:sym typeface="Wingdings" panose="05000000000000000000" pitchFamily="2" charset="2"/>
+              </a:rPr>
+              <a:t> </a:t>
+            </a:r>
+            <a:r>
+              <a:rPr lang="en-US" sz="2000" dirty="0" err="1">
+                <a:solidFill>
+                  <a:srgbClr val="121212"/>
+                </a:solidFill>
+                <a:latin typeface="Inter" panose="02000503000000020004" pitchFamily="2" charset="0"/>
+                <a:sym typeface="Wingdings" panose="05000000000000000000" pitchFamily="2" charset="2"/>
+              </a:rPr>
+              <a:t>jooksutame</a:t>
+            </a:r>
+            <a:r>
+              <a:rPr lang="en-US" sz="2000" dirty="0">
+                <a:solidFill>
+                  <a:srgbClr val="121212"/>
+                </a:solidFill>
+                <a:latin typeface="Inter" panose="02000503000000020004" pitchFamily="2" charset="0"/>
+                <a:sym typeface="Wingdings" panose="05000000000000000000" pitchFamily="2" charset="2"/>
+              </a:rPr>
+              <a:t>?</a:t>
+            </a:r>
+            <a:endParaRPr lang="en-US" sz="2000" dirty="0">
+              <a:solidFill>
+                <a:srgbClr val="121212"/>
+              </a:solidFill>
+            </a:endParaRPr>
+          </a:p>
+          <a:p>
+            <a:pPr>
+              <a:buClr>
+                <a:srgbClr val="121212"/>
+              </a:buClr>
+            </a:pPr>
+            <a:endParaRPr lang="en-US" sz="2000" dirty="0">
+              <a:solidFill>
+                <a:srgbClr val="121212"/>
+              </a:solidFill>
+            </a:endParaRPr>
+          </a:p>
+        </p:txBody>
+      </p:sp>
+    </p:spTree>
+    <p:extLst>
+      <p:ext uri="{BB962C8B-B14F-4D97-AF65-F5344CB8AC3E}">
+        <p14:creationId xmlns:p14="http://schemas.microsoft.com/office/powerpoint/2010/main" val="333880543"/>
+      </p:ext>
+    </p:extLst>
+  </p:cSld>
+  <p:clrMapOvr>
+    <a:masterClrMapping/>
+  </p:clrMapOvr>
+  <p:timing>
+    <p:tnLst>
+      <p:par>
+        <p:cTn id="1" dur="indefinite" restart="never" nodeType="tmRoot">
+          <p:childTnLst>
+            <p:seq concurrent="1" nextAc="seek">
+              <p:cTn id="2" dur="indefinite" nodeType="mainSeq">
+                <p:childTnLst>
+                  <p:par>
+                    <p:cTn id="3" fill="hold">
+                      <p:stCondLst>
+                        <p:cond delay="indefinite"/>
+                      </p:stCondLst>
+                      <p:childTnLst>
+                        <p:par>
+                          <p:cTn id="4" fill="hold">
+                            <p:stCondLst>
+                              <p:cond delay="0"/>
+                            </p:stCondLst>
+                            <p:childTnLst>
+                              <p:par>
+                                <p:cTn id="5" presetID="1" presetClass="entr" presetSubtype="0" fill="hold" grpId="0" nodeType="clickEffect">
+                                  <p:stCondLst>
+                                    <p:cond delay="0"/>
+                                  </p:stCondLst>
+                                  <p:childTnLst>
+                                    <p:set>
+                                      <p:cBhvr>
+                                        <p:cTn id="6" dur="1" fill="hold">
+                                          <p:stCondLst>
+                                            <p:cond delay="0"/>
+                                          </p:stCondLst>
+                                        </p:cTn>
+                                        <p:tgtEl>
+                                          <p:spTgt spid="3">
+                                            <p:txEl>
+                                              <p:pRg st="0" end="0"/>
+                                            </p:txEl>
+                                          </p:spTgt>
+                                        </p:tgtEl>
+                                        <p:attrNameLst>
+                                          <p:attrName>style.visibility</p:attrName>
+                                        </p:attrNameLst>
+                                      </p:cBhvr>
+                                      <p:to>
+                                        <p:strVal val="visible"/>
+                                      </p:to>
+                                    </p:set>
+                                  </p:childTnLst>
+                                </p:cTn>
+                              </p:par>
+                            </p:childTnLst>
+                          </p:cTn>
+                        </p:par>
+                      </p:childTnLst>
+                    </p:cTn>
+                  </p:par>
+                  <p:par>
+                    <p:cTn id="7" fill="hold">
+                      <p:stCondLst>
+                        <p:cond delay="indefinite"/>
+                      </p:stCondLst>
+                      <p:childTnLst>
+                        <p:par>
+                          <p:cTn id="8" fill="hold">
+                            <p:stCondLst>
+                              <p:cond delay="0"/>
+                            </p:stCondLst>
+                            <p:childTnLst>
+                              <p:par>
+                                <p:cTn id="9" presetID="1" presetClass="entr" presetSubtype="0" fill="hold" grpId="0" nodeType="clickEffect">
+                                  <p:stCondLst>
+                                    <p:cond delay="0"/>
+                                  </p:stCondLst>
+                                  <p:childTnLst>
+                                    <p:set>
+                                      <p:cBhvr>
+                                        <p:cTn id="10" dur="1" fill="hold">
+                                          <p:stCondLst>
+                                            <p:cond delay="0"/>
+                                          </p:stCondLst>
+                                        </p:cTn>
+                                        <p:tgtEl>
+                                          <p:spTgt spid="3">
+                                            <p:txEl>
+                                              <p:pRg st="1" end="1"/>
+                                            </p:txEl>
+                                          </p:spTgt>
+                                        </p:tgtEl>
+                                        <p:attrNameLst>
+                                          <p:attrName>style.visibility</p:attrName>
+                                        </p:attrNameLst>
+                                      </p:cBhvr>
+                                      <p:to>
+                                        <p:strVal val="visible"/>
+                                      </p:to>
+                                    </p:set>
+                                  </p:childTnLst>
+                                </p:cTn>
+                              </p:par>
+                            </p:childTnLst>
+                          </p:cTn>
+                        </p:par>
+                      </p:childTnLst>
+                    </p:cTn>
+                  </p:par>
+                  <p:par>
+                    <p:cTn id="11" fill="hold">
+                      <p:stCondLst>
+                        <p:cond delay="indefinite"/>
+                      </p:stCondLst>
+                      <p:childTnLst>
+                        <p:par>
+                          <p:cTn id="12" fill="hold">
+                            <p:stCondLst>
+                              <p:cond delay="0"/>
+                            </p:stCondLst>
+                            <p:childTnLst>
+                              <p:par>
+                                <p:cTn id="13" presetID="1" presetClass="entr" presetSubtype="0" fill="hold" grpId="0" nodeType="clickEffect">
+                                  <p:stCondLst>
+                                    <p:cond delay="0"/>
+                                  </p:stCondLst>
+                                  <p:childTnLst>
+                                    <p:set>
+                                      <p:cBhvr>
+                                        <p:cTn id="14" dur="1" fill="hold">
+                                          <p:stCondLst>
+                                            <p:cond delay="0"/>
+                                          </p:stCondLst>
+                                        </p:cTn>
+                                        <p:tgtEl>
+                                          <p:spTgt spid="3">
+                                            <p:txEl>
+                                              <p:pRg st="2" end="2"/>
+                                            </p:txEl>
+                                          </p:spTgt>
+                                        </p:tgtEl>
+                                        <p:attrNameLst>
+                                          <p:attrName>style.visibility</p:attrName>
+                                        </p:attrNameLst>
+                                      </p:cBhvr>
+                                      <p:to>
+                                        <p:strVal val="visible"/>
+                                      </p:to>
+                                    </p:set>
+                                  </p:childTnLst>
+                                </p:cTn>
+                              </p:par>
+                            </p:childTnLst>
+                          </p:cTn>
+                        </p:par>
+                      </p:childTnLst>
+                    </p:cTn>
+                  </p:par>
+                </p:childTnLst>
+              </p:cTn>
+              <p:prevCondLst>
+                <p:cond evt="onPrev" delay="0">
+                  <p:tgtEl>
+                    <p:sldTgt/>
+                  </p:tgtEl>
+                </p:cond>
+              </p:prevCondLst>
+              <p:nextCondLst>
+                <p:cond evt="onNext" delay="0">
+                  <p:tgtEl>
+                    <p:sldTgt/>
+                  </p:tgtEl>
+                </p:cond>
+              </p:nextCondLst>
+            </p:seq>
+          </p:childTnLst>
+        </p:cTn>
+      </p:par>
+    </p:tnLst>
+    <p:bldLst>
+      <p:bldP spid="3" grpId="0" build="p"/>
+    </p:bldLst>
+  </p:timing>
+</p:sld>
+</file>
+
+<file path=ppt/slides/slide26.xml><?xml version="1.0" encoding="utf-8"?>
+<p:sld xmlns:a="http://schemas.openxmlformats.org/drawingml/2006/main" xmlns:r="http://schemas.openxmlformats.org/officeDocument/2006/relationships" xmlns:p="http://schemas.openxmlformats.org/presentationml/2006/main">
+  <p:cSld>
+    <p:spTree>
+      <p:nvGrpSpPr>
+        <p:cNvPr id="1" name="">
+          <a:extLst>
+            <a:ext uri="{FF2B5EF4-FFF2-40B4-BE49-F238E27FC236}">
+              <a16:creationId xmlns:a16="http://schemas.microsoft.com/office/drawing/2014/main" id="{2E26B242-52B6-2BDE-7907-A884D36CCB58}"/>
+            </a:ext>
+          </a:extLst>
+        </p:cNvPr>
+        <p:cNvGrpSpPr/>
+        <p:nvPr/>
+      </p:nvGrpSpPr>
+      <p:grpSpPr>
+        <a:xfrm>
+          <a:off x="0" y="0"/>
+          <a:ext cx="0" cy="0"/>
+          <a:chOff x="0" y="0"/>
+          <a:chExt cx="0" cy="0"/>
+        </a:xfrm>
+      </p:grpSpPr>
+      <p:sp>
+        <p:nvSpPr>
+          <p:cNvPr id="2" name="Title 1">
+            <a:extLst>
+              <a:ext uri="{FF2B5EF4-FFF2-40B4-BE49-F238E27FC236}">
+                <a16:creationId xmlns:a16="http://schemas.microsoft.com/office/drawing/2014/main" id="{E2531FAF-6D1B-B9D9-9733-02DE9E2DE4B0}"/>
+              </a:ext>
+            </a:extLst>
+          </p:cNvPr>
+          <p:cNvSpPr>
+            <a:spLocks noGrp="1"/>
+          </p:cNvSpPr>
+          <p:nvPr>
+            <p:ph type="ctrTitle"/>
+          </p:nvPr>
+        </p:nvSpPr>
+        <p:spPr/>
+        <p:txBody>
+          <a:bodyPr/>
+          <a:lstStyle/>
+          <a:p>
+            <a:r>
+              <a:rPr lang="en-US" sz="2400" dirty="0" err="1"/>
+              <a:t>Kodulehe</a:t>
+            </a:r>
+            <a:r>
+              <a:rPr lang="en-US" sz="2400" dirty="0"/>
+              <a:t> </a:t>
+            </a:r>
+            <a:r>
+              <a:rPr lang="en-US" sz="2400" dirty="0" err="1"/>
+              <a:t>muutuse</a:t>
+            </a:r>
+            <a:r>
+              <a:rPr lang="en-US" sz="2400" dirty="0"/>
+              <a:t> </a:t>
+            </a:r>
+            <a:r>
+              <a:rPr lang="en-US" sz="2400" dirty="0" err="1"/>
+              <a:t>mõju</a:t>
+            </a:r>
+            <a:r>
+              <a:rPr lang="en-US" sz="2400" dirty="0"/>
+              <a:t> </a:t>
+            </a:r>
+            <a:r>
+              <a:rPr lang="en-US" sz="2400" dirty="0" err="1"/>
+              <a:t>ostukorvi</a:t>
+            </a:r>
+            <a:r>
+              <a:rPr lang="en-US" sz="2400" dirty="0"/>
+              <a:t> </a:t>
+            </a:r>
+            <a:r>
+              <a:rPr lang="en-US" sz="2400" dirty="0" err="1"/>
+              <a:t>suurusele</a:t>
+            </a:r>
+            <a:r>
+              <a:rPr lang="en-US" sz="2400" dirty="0"/>
+              <a:t> </a:t>
+            </a:r>
+            <a:r>
+              <a:rPr lang="en-US" sz="2400" dirty="0" err="1"/>
+              <a:t>Exceliga</a:t>
+            </a:r>
+            <a:endParaRPr lang="en-US" sz="2400" dirty="0"/>
+          </a:p>
+        </p:txBody>
+      </p:sp>
+      <p:sp>
+        <p:nvSpPr>
+          <p:cNvPr id="3" name="Content Placeholder 2">
+            <a:extLst>
+              <a:ext uri="{FF2B5EF4-FFF2-40B4-BE49-F238E27FC236}">
+                <a16:creationId xmlns:a16="http://schemas.microsoft.com/office/drawing/2014/main" id="{4571D5DF-1C14-941A-5FB0-C078DD6CF9EF}"/>
+              </a:ext>
+            </a:extLst>
+          </p:cNvPr>
+          <p:cNvSpPr>
+            <a:spLocks noGrp="1"/>
+          </p:cNvSpPr>
+          <p:nvPr>
+            <p:ph sz="quarter" idx="10"/>
+          </p:nvPr>
+        </p:nvSpPr>
+        <p:spPr/>
+        <p:txBody>
+          <a:bodyPr/>
+          <a:lstStyle/>
+          <a:p>
+            <a:pPr>
+              <a:lnSpc>
+                <a:spcPct val="150000"/>
+              </a:lnSpc>
+            </a:pPr>
+            <a:r>
+              <a:rPr lang="en-US" sz="2000" dirty="0">
+                <a:solidFill>
+                  <a:srgbClr val="121212"/>
+                </a:solidFill>
+                <a:ea typeface="Inter"/>
+              </a:rPr>
+              <a:t>E-</a:t>
+            </a:r>
+            <a:r>
+              <a:rPr lang="en-US" sz="2000" dirty="0" err="1">
+                <a:solidFill>
+                  <a:srgbClr val="121212"/>
+                </a:solidFill>
+                <a:ea typeface="Inter"/>
+              </a:rPr>
+              <a:t>pood</a:t>
+            </a:r>
+            <a:r>
+              <a:rPr lang="en-US" sz="2000" dirty="0">
+                <a:solidFill>
+                  <a:srgbClr val="121212"/>
+                </a:solidFill>
+                <a:ea typeface="Inter"/>
+              </a:rPr>
+              <a:t> </a:t>
+            </a:r>
+            <a:r>
+              <a:rPr lang="en-US" sz="2000" dirty="0" err="1">
+                <a:solidFill>
+                  <a:srgbClr val="121212"/>
+                </a:solidFill>
+                <a:ea typeface="Inter"/>
+              </a:rPr>
+              <a:t>seadis</a:t>
+            </a:r>
+            <a:r>
+              <a:rPr lang="en-US" sz="2000" dirty="0">
+                <a:solidFill>
+                  <a:srgbClr val="121212"/>
+                </a:solidFill>
+                <a:ea typeface="Inter"/>
+              </a:rPr>
+              <a:t> </a:t>
+            </a:r>
+            <a:r>
+              <a:rPr lang="en-US" sz="2000" dirty="0" err="1">
+                <a:solidFill>
+                  <a:srgbClr val="121212"/>
+                </a:solidFill>
+                <a:ea typeface="Inter"/>
+              </a:rPr>
+              <a:t>üles</a:t>
+            </a:r>
+            <a:r>
+              <a:rPr lang="en-US" sz="2000" dirty="0">
+                <a:solidFill>
+                  <a:srgbClr val="121212"/>
+                </a:solidFill>
+                <a:ea typeface="Inter"/>
+              </a:rPr>
+              <a:t> </a:t>
+            </a:r>
+            <a:r>
+              <a:rPr lang="en-US" sz="2000" dirty="0" err="1">
+                <a:solidFill>
+                  <a:srgbClr val="121212"/>
+                </a:solidFill>
+                <a:ea typeface="Inter"/>
+              </a:rPr>
+              <a:t>kaks</a:t>
+            </a:r>
+            <a:r>
+              <a:rPr lang="en-US" sz="2000" dirty="0">
+                <a:solidFill>
+                  <a:srgbClr val="121212"/>
+                </a:solidFill>
+                <a:ea typeface="Inter"/>
+              </a:rPr>
+              <a:t> </a:t>
+            </a:r>
+            <a:r>
+              <a:rPr lang="en-US" sz="2000" dirty="0" err="1">
+                <a:solidFill>
+                  <a:srgbClr val="121212"/>
+                </a:solidFill>
+                <a:ea typeface="Inter"/>
+              </a:rPr>
+              <a:t>versiooni</a:t>
+            </a:r>
+            <a:r>
+              <a:rPr lang="en-US" sz="2000" dirty="0">
+                <a:solidFill>
+                  <a:srgbClr val="121212"/>
+                </a:solidFill>
+                <a:ea typeface="Inter"/>
+              </a:rPr>
+              <a:t> – test-</a:t>
+            </a:r>
+            <a:r>
+              <a:rPr lang="en-US" sz="2000" dirty="0" err="1">
+                <a:solidFill>
+                  <a:srgbClr val="121212"/>
+                </a:solidFill>
+                <a:ea typeface="Inter"/>
+              </a:rPr>
+              <a:t>grupile</a:t>
+            </a:r>
+            <a:r>
+              <a:rPr lang="en-US" sz="2000" dirty="0">
+                <a:solidFill>
+                  <a:srgbClr val="121212"/>
+                </a:solidFill>
+                <a:ea typeface="Inter"/>
+              </a:rPr>
+              <a:t> </a:t>
+            </a:r>
+            <a:r>
+              <a:rPr lang="en-US" sz="2000" dirty="0" err="1">
+                <a:solidFill>
+                  <a:srgbClr val="121212"/>
+                </a:solidFill>
+                <a:ea typeface="Inter"/>
+              </a:rPr>
+              <a:t>näidati</a:t>
+            </a:r>
+            <a:r>
+              <a:rPr lang="en-US" sz="2000" dirty="0">
+                <a:solidFill>
+                  <a:srgbClr val="121212"/>
+                </a:solidFill>
+                <a:ea typeface="Inter"/>
+              </a:rPr>
+              <a:t> </a:t>
+            </a:r>
+            <a:r>
+              <a:rPr lang="en-US" sz="2000" dirty="0" err="1">
+                <a:solidFill>
+                  <a:srgbClr val="121212"/>
+                </a:solidFill>
+                <a:ea typeface="Inter"/>
+              </a:rPr>
+              <a:t>bännerit</a:t>
+            </a:r>
+            <a:r>
+              <a:rPr lang="en-US" sz="2000" dirty="0">
+                <a:solidFill>
+                  <a:srgbClr val="121212"/>
+                </a:solidFill>
+                <a:ea typeface="Inter"/>
+              </a:rPr>
+              <a:t> “</a:t>
+            </a:r>
+            <a:r>
+              <a:rPr lang="en-US" sz="2000" dirty="0" err="1">
+                <a:solidFill>
+                  <a:srgbClr val="121212"/>
+                </a:solidFill>
+                <a:ea typeface="Inter"/>
+              </a:rPr>
+              <a:t>Üle</a:t>
+            </a:r>
+            <a:r>
+              <a:rPr lang="en-US" sz="2000" dirty="0">
+                <a:solidFill>
+                  <a:srgbClr val="121212"/>
+                </a:solidFill>
+                <a:ea typeface="Inter"/>
+              </a:rPr>
+              <a:t> 50-eurose </a:t>
+            </a:r>
+            <a:r>
+              <a:rPr lang="en-US" sz="2000" dirty="0" err="1">
+                <a:solidFill>
+                  <a:srgbClr val="121212"/>
+                </a:solidFill>
+                <a:ea typeface="Inter"/>
+              </a:rPr>
+              <a:t>ostu</a:t>
+            </a:r>
+            <a:r>
+              <a:rPr lang="en-US" sz="2000" dirty="0">
+                <a:solidFill>
+                  <a:srgbClr val="121212"/>
+                </a:solidFill>
+                <a:ea typeface="Inter"/>
+              </a:rPr>
+              <a:t> </a:t>
+            </a:r>
+            <a:r>
+              <a:rPr lang="en-US" sz="2000" dirty="0" err="1">
+                <a:solidFill>
+                  <a:srgbClr val="121212"/>
+                </a:solidFill>
+                <a:ea typeface="Inter"/>
+              </a:rPr>
+              <a:t>korral</a:t>
+            </a:r>
+            <a:r>
+              <a:rPr lang="en-US" sz="2000" dirty="0">
+                <a:solidFill>
+                  <a:srgbClr val="121212"/>
+                </a:solidFill>
+                <a:ea typeface="Inter"/>
+              </a:rPr>
+              <a:t> </a:t>
+            </a:r>
+            <a:r>
+              <a:rPr lang="en-US" sz="2000" dirty="0" err="1">
+                <a:solidFill>
+                  <a:srgbClr val="121212"/>
+                </a:solidFill>
+                <a:ea typeface="Inter"/>
+              </a:rPr>
+              <a:t>tasuta</a:t>
+            </a:r>
+            <a:r>
+              <a:rPr lang="en-US" sz="2000" dirty="0">
+                <a:solidFill>
+                  <a:srgbClr val="121212"/>
+                </a:solidFill>
+                <a:ea typeface="Inter"/>
+              </a:rPr>
+              <a:t> </a:t>
+            </a:r>
+            <a:r>
+              <a:rPr lang="en-US" sz="2000" dirty="0" err="1">
+                <a:solidFill>
+                  <a:srgbClr val="121212"/>
+                </a:solidFill>
+                <a:ea typeface="Inter"/>
+              </a:rPr>
+              <a:t>kohalevedu</a:t>
+            </a:r>
+            <a:r>
+              <a:rPr lang="en-US" sz="2000" dirty="0">
+                <a:solidFill>
+                  <a:srgbClr val="121212"/>
+                </a:solidFill>
+                <a:ea typeface="Inter"/>
+              </a:rPr>
+              <a:t>”, </a:t>
+            </a:r>
+            <a:r>
+              <a:rPr lang="en-US" sz="2000" dirty="0" err="1">
+                <a:solidFill>
+                  <a:srgbClr val="121212"/>
+                </a:solidFill>
+                <a:ea typeface="Inter"/>
+              </a:rPr>
+              <a:t>kontrollgrupile</a:t>
+            </a:r>
+            <a:r>
+              <a:rPr lang="en-US" sz="2000" dirty="0">
+                <a:solidFill>
+                  <a:srgbClr val="121212"/>
+                </a:solidFill>
+                <a:ea typeface="Inter"/>
+              </a:rPr>
+              <a:t> </a:t>
+            </a:r>
+            <a:r>
+              <a:rPr lang="en-US" sz="2000" dirty="0" err="1">
+                <a:solidFill>
+                  <a:srgbClr val="121212"/>
+                </a:solidFill>
+                <a:ea typeface="Inter"/>
+              </a:rPr>
+              <a:t>ei</a:t>
+            </a:r>
+            <a:r>
+              <a:rPr lang="en-US" sz="2000" dirty="0">
+                <a:solidFill>
+                  <a:srgbClr val="121212"/>
+                </a:solidFill>
+                <a:ea typeface="Inter"/>
+              </a:rPr>
+              <a:t> </a:t>
+            </a:r>
+            <a:r>
+              <a:rPr lang="en-US" sz="2000" dirty="0" err="1">
+                <a:solidFill>
+                  <a:srgbClr val="121212"/>
+                </a:solidFill>
+                <a:ea typeface="Inter"/>
+              </a:rPr>
+              <a:t>näidatud</a:t>
+            </a:r>
+            <a:endParaRPr lang="en-US" sz="2000" dirty="0">
+              <a:solidFill>
+                <a:srgbClr val="121212"/>
+              </a:solidFill>
+              <a:ea typeface="Inter"/>
+            </a:endParaRPr>
+          </a:p>
+          <a:p>
+            <a:pPr>
+              <a:lnSpc>
+                <a:spcPct val="150000"/>
+              </a:lnSpc>
+            </a:pPr>
+            <a:r>
+              <a:rPr lang="en-US" sz="2000" dirty="0">
+                <a:solidFill>
+                  <a:srgbClr val="121212"/>
+                </a:solidFill>
+                <a:latin typeface="Inter" panose="02000503000000020004" pitchFamily="2" charset="0"/>
+                <a:ea typeface="Inter"/>
+              </a:rPr>
+              <a:t>Day4 </a:t>
+            </a:r>
+            <a:r>
+              <a:rPr lang="en-US" sz="2000" dirty="0">
+                <a:solidFill>
+                  <a:srgbClr val="121212"/>
+                </a:solidFill>
+                <a:latin typeface="Inter" panose="02000503000000020004" pitchFamily="2" charset="0"/>
+                <a:ea typeface="Inter"/>
+                <a:sym typeface="Wingdings" panose="05000000000000000000" pitchFamily="2" charset="2"/>
+              </a:rPr>
+              <a:t> homepage_sales_abtesting.txt</a:t>
+            </a:r>
+          </a:p>
+          <a:p>
+            <a:pPr>
+              <a:lnSpc>
+                <a:spcPct val="150000"/>
+              </a:lnSpc>
+            </a:pPr>
+            <a:r>
+              <a:rPr lang="en-US" sz="2000" dirty="0">
+                <a:solidFill>
+                  <a:srgbClr val="121212"/>
+                </a:solidFill>
+                <a:latin typeface="Inter" panose="02000503000000020004" pitchFamily="2" charset="0"/>
+                <a:ea typeface="Inter"/>
+                <a:sym typeface="Wingdings" panose="05000000000000000000" pitchFamily="2" charset="2"/>
+              </a:rPr>
+              <a:t>Mis </a:t>
+            </a:r>
+            <a:r>
+              <a:rPr lang="en-US" sz="2000" dirty="0" err="1">
+                <a:solidFill>
+                  <a:srgbClr val="121212"/>
+                </a:solidFill>
+                <a:latin typeface="Inter" panose="02000503000000020004" pitchFamily="2" charset="0"/>
+                <a:ea typeface="Inter"/>
+                <a:sym typeface="Wingdings" panose="05000000000000000000" pitchFamily="2" charset="2"/>
+              </a:rPr>
+              <a:t>analüüsi</a:t>
+            </a:r>
+            <a:r>
+              <a:rPr lang="en-US" sz="2000" dirty="0">
+                <a:solidFill>
+                  <a:srgbClr val="121212"/>
+                </a:solidFill>
+                <a:latin typeface="Inter" panose="02000503000000020004" pitchFamily="2" charset="0"/>
+                <a:ea typeface="Inter"/>
+                <a:sym typeface="Wingdings" panose="05000000000000000000" pitchFamily="2" charset="2"/>
+              </a:rPr>
+              <a:t> </a:t>
+            </a:r>
+            <a:r>
+              <a:rPr lang="en-US" sz="2000" dirty="0" err="1">
+                <a:solidFill>
+                  <a:srgbClr val="121212"/>
+                </a:solidFill>
+                <a:latin typeface="Inter" panose="02000503000000020004" pitchFamily="2" charset="0"/>
+                <a:ea typeface="Inter"/>
+                <a:sym typeface="Wingdings" panose="05000000000000000000" pitchFamily="2" charset="2"/>
+              </a:rPr>
+              <a:t>jooksutame</a:t>
+            </a:r>
+            <a:r>
+              <a:rPr lang="en-US" sz="2000" dirty="0">
+                <a:solidFill>
+                  <a:srgbClr val="121212"/>
+                </a:solidFill>
+                <a:latin typeface="Inter" panose="02000503000000020004" pitchFamily="2" charset="0"/>
+                <a:ea typeface="Inter"/>
+                <a:sym typeface="Wingdings" panose="05000000000000000000" pitchFamily="2" charset="2"/>
+              </a:rPr>
+              <a:t>?</a:t>
+            </a:r>
+            <a:endParaRPr lang="en-US" sz="2000" dirty="0">
+              <a:solidFill>
+                <a:srgbClr val="121212"/>
+              </a:solidFill>
+              <a:latin typeface="Inter" panose="02000503000000020004" pitchFamily="2" charset="0"/>
+            </a:endParaRPr>
+          </a:p>
+          <a:p>
+            <a:pPr marL="457200" lvl="1" indent="0">
+              <a:buNone/>
+            </a:pPr>
+            <a:endParaRPr lang="en-US" sz="2000" dirty="0">
+              <a:solidFill>
+                <a:srgbClr val="121212"/>
+              </a:solidFill>
+            </a:endParaRPr>
+          </a:p>
+          <a:p>
+            <a:pPr>
+              <a:buClr>
+                <a:srgbClr val="121212"/>
+              </a:buClr>
+            </a:pPr>
+            <a:endParaRPr lang="en-US" sz="2000" dirty="0">
+              <a:solidFill>
+                <a:srgbClr val="121212"/>
+              </a:solidFill>
+            </a:endParaRPr>
+          </a:p>
+        </p:txBody>
+      </p:sp>
+    </p:spTree>
+    <p:extLst>
+      <p:ext uri="{BB962C8B-B14F-4D97-AF65-F5344CB8AC3E}">
+        <p14:creationId xmlns:p14="http://schemas.microsoft.com/office/powerpoint/2010/main" val="3477013833"/>
+      </p:ext>
+    </p:extLst>
+  </p:cSld>
+  <p:clrMapOvr>
+    <a:masterClrMapping/>
+  </p:clrMapOvr>
+  <p:timing>
+    <p:tnLst>
+      <p:par>
+        <p:cTn id="1" dur="indefinite" restart="never" nodeType="tmRoot">
+          <p:childTnLst>
+            <p:seq concurrent="1" nextAc="seek">
+              <p:cTn id="2" dur="indefinite" nodeType="mainSeq">
+                <p:childTnLst>
+                  <p:par>
+                    <p:cTn id="3" fill="hold">
+                      <p:stCondLst>
+                        <p:cond delay="indefinite"/>
+                      </p:stCondLst>
+                      <p:childTnLst>
+                        <p:par>
+                          <p:cTn id="4" fill="hold">
+                            <p:stCondLst>
+                              <p:cond delay="0"/>
+                            </p:stCondLst>
+                            <p:childTnLst>
+                              <p:par>
+                                <p:cTn id="5" presetID="1" presetClass="entr" presetSubtype="0" fill="hold" grpId="0" nodeType="clickEffect">
+                                  <p:stCondLst>
+                                    <p:cond delay="0"/>
+                                  </p:stCondLst>
+                                  <p:childTnLst>
+                                    <p:set>
+                                      <p:cBhvr>
+                                        <p:cTn id="6" dur="1" fill="hold">
+                                          <p:stCondLst>
+                                            <p:cond delay="0"/>
+                                          </p:stCondLst>
+                                        </p:cTn>
+                                        <p:tgtEl>
+                                          <p:spTgt spid="3">
+                                            <p:txEl>
+                                              <p:pRg st="0" end="0"/>
+                                            </p:txEl>
+                                          </p:spTgt>
+                                        </p:tgtEl>
+                                        <p:attrNameLst>
+                                          <p:attrName>style.visibility</p:attrName>
+                                        </p:attrNameLst>
+                                      </p:cBhvr>
+                                      <p:to>
+                                        <p:strVal val="visible"/>
+                                      </p:to>
+                                    </p:set>
+                                  </p:childTnLst>
+                                </p:cTn>
+                              </p:par>
+                            </p:childTnLst>
+                          </p:cTn>
+                        </p:par>
+                      </p:childTnLst>
+                    </p:cTn>
+                  </p:par>
+                  <p:par>
+                    <p:cTn id="7" fill="hold">
+                      <p:stCondLst>
+                        <p:cond delay="indefinite"/>
+                      </p:stCondLst>
+                      <p:childTnLst>
+                        <p:par>
+                          <p:cTn id="8" fill="hold">
+                            <p:stCondLst>
+                              <p:cond delay="0"/>
+                            </p:stCondLst>
+                            <p:childTnLst>
+                              <p:par>
+                                <p:cTn id="9" presetID="1" presetClass="entr" presetSubtype="0" fill="hold" grpId="0" nodeType="clickEffect">
+                                  <p:stCondLst>
+                                    <p:cond delay="0"/>
+                                  </p:stCondLst>
+                                  <p:childTnLst>
+                                    <p:set>
+                                      <p:cBhvr>
+                                        <p:cTn id="10" dur="1" fill="hold">
+                                          <p:stCondLst>
+                                            <p:cond delay="0"/>
+                                          </p:stCondLst>
+                                        </p:cTn>
+                                        <p:tgtEl>
+                                          <p:spTgt spid="3">
+                                            <p:txEl>
+                                              <p:pRg st="1" end="1"/>
+                                            </p:txEl>
+                                          </p:spTgt>
+                                        </p:tgtEl>
+                                        <p:attrNameLst>
+                                          <p:attrName>style.visibility</p:attrName>
+                                        </p:attrNameLst>
+                                      </p:cBhvr>
+                                      <p:to>
+                                        <p:strVal val="visible"/>
+                                      </p:to>
+                                    </p:set>
+                                  </p:childTnLst>
+                                </p:cTn>
+                              </p:par>
+                            </p:childTnLst>
+                          </p:cTn>
+                        </p:par>
+                      </p:childTnLst>
+                    </p:cTn>
+                  </p:par>
+                  <p:par>
+                    <p:cTn id="11" fill="hold">
+                      <p:stCondLst>
+                        <p:cond delay="indefinite"/>
+                      </p:stCondLst>
+                      <p:childTnLst>
+                        <p:par>
+                          <p:cTn id="12" fill="hold">
+                            <p:stCondLst>
+                              <p:cond delay="0"/>
+                            </p:stCondLst>
+                            <p:childTnLst>
+                              <p:par>
+                                <p:cTn id="13" presetID="1" presetClass="entr" presetSubtype="0" fill="hold" grpId="0" nodeType="clickEffect">
+                                  <p:stCondLst>
+                                    <p:cond delay="0"/>
+                                  </p:stCondLst>
+                                  <p:childTnLst>
+                                    <p:set>
+                                      <p:cBhvr>
+                                        <p:cTn id="14" dur="1" fill="hold">
+                                          <p:stCondLst>
+                                            <p:cond delay="0"/>
+                                          </p:stCondLst>
+                                        </p:cTn>
+                                        <p:tgtEl>
+                                          <p:spTgt spid="3">
+                                            <p:txEl>
+                                              <p:pRg st="2" end="2"/>
+                                            </p:txEl>
+                                          </p:spTgt>
+                                        </p:tgtEl>
+                                        <p:attrNameLst>
+                                          <p:attrName>style.visibility</p:attrName>
+                                        </p:attrNameLst>
+                                      </p:cBhvr>
+                                      <p:to>
+                                        <p:strVal val="visible"/>
+                                      </p:to>
+                                    </p:set>
+                                  </p:childTnLst>
+                                </p:cTn>
+                              </p:par>
+                            </p:childTnLst>
+                          </p:cTn>
+                        </p:par>
+                      </p:childTnLst>
+                    </p:cTn>
+                  </p:par>
+                </p:childTnLst>
+              </p:cTn>
+              <p:prevCondLst>
+                <p:cond evt="onPrev" delay="0">
+                  <p:tgtEl>
+                    <p:sldTgt/>
+                  </p:tgtEl>
+                </p:cond>
+              </p:prevCondLst>
+              <p:nextCondLst>
+                <p:cond evt="onNext" delay="0">
+                  <p:tgtEl>
+                    <p:sldTgt/>
+                  </p:tgtEl>
+                </p:cond>
+              </p:nextCondLst>
+            </p:seq>
+          </p:childTnLst>
+        </p:cTn>
+      </p:par>
+    </p:tnLst>
+    <p:bldLst>
+      <p:bldP spid="3" grpId="0" build="p"/>
+    </p:bldLst>
+  </p:timing>
+</p:sld>
+</file>
+
+<file path=ppt/slides/slide27.xml><?xml version="1.0" encoding="utf-8"?>
+<p:sld xmlns:a="http://schemas.openxmlformats.org/drawingml/2006/main" xmlns:r="http://schemas.openxmlformats.org/officeDocument/2006/relationships" xmlns:p="http://schemas.openxmlformats.org/presentationml/2006/main">
+  <p:cSld>
+    <p:spTree>
+      <p:nvGrpSpPr>
+        <p:cNvPr id="1" name="">
+          <a:extLst>
+            <a:ext uri="{FF2B5EF4-FFF2-40B4-BE49-F238E27FC236}">
+              <a16:creationId xmlns:a16="http://schemas.microsoft.com/office/drawing/2014/main" id="{9EA64537-F077-584A-B123-218969C59476}"/>
+            </a:ext>
+          </a:extLst>
+        </p:cNvPr>
+        <p:cNvGrpSpPr/>
+        <p:nvPr/>
+      </p:nvGrpSpPr>
+      <p:grpSpPr>
+        <a:xfrm>
+          <a:off x="0" y="0"/>
+          <a:ext cx="0" cy="0"/>
+          <a:chOff x="0" y="0"/>
+          <a:chExt cx="0" cy="0"/>
+        </a:xfrm>
+      </p:grpSpPr>
+      <p:sp>
+        <p:nvSpPr>
+          <p:cNvPr id="2" name="Title 1">
+            <a:extLst>
+              <a:ext uri="{FF2B5EF4-FFF2-40B4-BE49-F238E27FC236}">
+                <a16:creationId xmlns:a16="http://schemas.microsoft.com/office/drawing/2014/main" id="{1EC6F116-1C27-DE9A-1E6D-38ED407B76C4}"/>
+              </a:ext>
+            </a:extLst>
+          </p:cNvPr>
+          <p:cNvSpPr>
+            <a:spLocks noGrp="1"/>
+          </p:cNvSpPr>
+          <p:nvPr>
+            <p:ph type="ctrTitle"/>
+          </p:nvPr>
+        </p:nvSpPr>
+        <p:spPr/>
+        <p:txBody>
+          <a:bodyPr/>
+          <a:lstStyle/>
+          <a:p>
+            <a:r>
+              <a:rPr lang="en-US" sz="2400" dirty="0" err="1"/>
+              <a:t>Kodulehe</a:t>
+            </a:r>
+            <a:r>
+              <a:rPr lang="en-US" sz="2400" dirty="0"/>
+              <a:t> </a:t>
+            </a:r>
+            <a:r>
+              <a:rPr lang="en-US" sz="2400" dirty="0" err="1"/>
+              <a:t>muutuse</a:t>
+            </a:r>
+            <a:r>
+              <a:rPr lang="en-US" sz="2400" dirty="0"/>
+              <a:t> </a:t>
+            </a:r>
+            <a:r>
+              <a:rPr lang="en-US" sz="2400" dirty="0" err="1"/>
+              <a:t>mõju</a:t>
+            </a:r>
+            <a:r>
+              <a:rPr lang="en-US" sz="2400" dirty="0"/>
+              <a:t> </a:t>
+            </a:r>
+            <a:r>
+              <a:rPr lang="en-US" sz="2400" dirty="0" err="1"/>
+              <a:t>ostukorvi</a:t>
+            </a:r>
+            <a:r>
+              <a:rPr lang="en-US" sz="2400" dirty="0"/>
+              <a:t> </a:t>
+            </a:r>
+            <a:r>
+              <a:rPr lang="en-US" sz="2400" dirty="0" err="1"/>
+              <a:t>suurusele</a:t>
+            </a:r>
+            <a:r>
+              <a:rPr lang="en-US" sz="2400" dirty="0"/>
+              <a:t> </a:t>
+            </a:r>
+            <a:r>
+              <a:rPr lang="en-US" sz="2400" dirty="0" err="1"/>
+              <a:t>Exceliga</a:t>
+            </a:r>
+            <a:endParaRPr lang="en-US" sz="2400" dirty="0"/>
+          </a:p>
+        </p:txBody>
+      </p:sp>
+      <p:sp>
+        <p:nvSpPr>
+          <p:cNvPr id="3" name="Content Placeholder 2">
+            <a:extLst>
+              <a:ext uri="{FF2B5EF4-FFF2-40B4-BE49-F238E27FC236}">
+                <a16:creationId xmlns:a16="http://schemas.microsoft.com/office/drawing/2014/main" id="{F0A86AF7-AFA7-8551-547F-6EBEC9706643}"/>
+              </a:ext>
+            </a:extLst>
+          </p:cNvPr>
+          <p:cNvSpPr>
+            <a:spLocks noGrp="1"/>
+          </p:cNvSpPr>
+          <p:nvPr>
+            <p:ph sz="quarter" idx="10"/>
+          </p:nvPr>
+        </p:nvSpPr>
+        <p:spPr/>
+        <p:txBody>
+          <a:bodyPr/>
+          <a:lstStyle/>
+          <a:p>
+            <a:pPr>
+              <a:lnSpc>
+                <a:spcPct val="150000"/>
+              </a:lnSpc>
+            </a:pPr>
+            <a:r>
+              <a:rPr lang="en-US" sz="2000" dirty="0" err="1">
+                <a:solidFill>
+                  <a:srgbClr val="121212"/>
+                </a:solidFill>
+                <a:ea typeface="Inter"/>
+              </a:rPr>
+              <a:t>Veebipõhisel</a:t>
+            </a:r>
+            <a:r>
+              <a:rPr lang="en-US" sz="2000" dirty="0">
+                <a:solidFill>
+                  <a:srgbClr val="121212"/>
+                </a:solidFill>
+                <a:ea typeface="Inter"/>
+              </a:rPr>
+              <a:t> </a:t>
+            </a:r>
+            <a:r>
+              <a:rPr lang="en-US" sz="2000" dirty="0" err="1">
+                <a:solidFill>
+                  <a:srgbClr val="121212"/>
+                </a:solidFill>
+                <a:ea typeface="Inter"/>
+              </a:rPr>
+              <a:t>tööriistal</a:t>
+            </a:r>
+            <a:r>
+              <a:rPr lang="en-US" sz="2000" dirty="0">
+                <a:solidFill>
+                  <a:srgbClr val="121212"/>
+                </a:solidFill>
+                <a:ea typeface="Inter"/>
+              </a:rPr>
+              <a:t> </a:t>
+            </a:r>
+            <a:r>
+              <a:rPr lang="en-US" sz="2000" dirty="0" err="1">
+                <a:solidFill>
+                  <a:srgbClr val="121212"/>
+                </a:solidFill>
+                <a:ea typeface="Inter"/>
+              </a:rPr>
+              <a:t>oli</a:t>
+            </a:r>
+            <a:r>
+              <a:rPr lang="en-US" sz="2000" dirty="0">
+                <a:solidFill>
+                  <a:srgbClr val="121212"/>
+                </a:solidFill>
+                <a:ea typeface="Inter"/>
+              </a:rPr>
+              <a:t> </a:t>
+            </a:r>
+            <a:r>
+              <a:rPr lang="en-US" sz="2000" dirty="0" err="1">
+                <a:solidFill>
+                  <a:srgbClr val="121212"/>
+                </a:solidFill>
+                <a:ea typeface="Inter"/>
+              </a:rPr>
+              <a:t>funktsioon</a:t>
+            </a:r>
+            <a:r>
+              <a:rPr lang="en-US" sz="2000" dirty="0">
+                <a:solidFill>
+                  <a:srgbClr val="121212"/>
+                </a:solidFill>
+                <a:ea typeface="Inter"/>
+              </a:rPr>
+              <a:t> “workflow automation” – kas </a:t>
+            </a:r>
+            <a:r>
+              <a:rPr lang="en-US" sz="2000" dirty="0" err="1">
+                <a:solidFill>
+                  <a:srgbClr val="121212"/>
+                </a:solidFill>
+                <a:ea typeface="Inter"/>
+              </a:rPr>
+              <a:t>selle</a:t>
+            </a:r>
+            <a:r>
+              <a:rPr lang="en-US" sz="2000" dirty="0">
+                <a:solidFill>
+                  <a:srgbClr val="121212"/>
+                </a:solidFill>
+                <a:ea typeface="Inter"/>
+              </a:rPr>
+              <a:t> </a:t>
+            </a:r>
+            <a:r>
+              <a:rPr lang="en-US" sz="2000" dirty="0" err="1">
+                <a:solidFill>
+                  <a:srgbClr val="121212"/>
+                </a:solidFill>
+                <a:ea typeface="Inter"/>
+              </a:rPr>
+              <a:t>funktsiooni</a:t>
+            </a:r>
+            <a:r>
+              <a:rPr lang="en-US" sz="2000" dirty="0">
+                <a:solidFill>
+                  <a:srgbClr val="121212"/>
+                </a:solidFill>
+                <a:ea typeface="Inter"/>
+              </a:rPr>
+              <a:t> </a:t>
+            </a:r>
+            <a:r>
+              <a:rPr lang="en-US" sz="2000" dirty="0" err="1">
+                <a:solidFill>
+                  <a:srgbClr val="121212"/>
+                </a:solidFill>
+                <a:ea typeface="Inter"/>
+              </a:rPr>
+              <a:t>kasutamine</a:t>
+            </a:r>
+            <a:r>
+              <a:rPr lang="en-US" sz="2000" dirty="0">
+                <a:solidFill>
+                  <a:srgbClr val="121212"/>
+                </a:solidFill>
+                <a:ea typeface="Inter"/>
+              </a:rPr>
+              <a:t> </a:t>
+            </a:r>
+            <a:r>
+              <a:rPr lang="en-US" sz="2000" dirty="0" err="1">
+                <a:solidFill>
+                  <a:srgbClr val="121212"/>
+                </a:solidFill>
+                <a:ea typeface="Inter"/>
+              </a:rPr>
+              <a:t>mõjutab</a:t>
+            </a:r>
+            <a:r>
+              <a:rPr lang="en-US" sz="2000" dirty="0">
+                <a:solidFill>
+                  <a:srgbClr val="121212"/>
+                </a:solidFill>
+                <a:ea typeface="Inter"/>
+              </a:rPr>
+              <a:t> </a:t>
+            </a:r>
+            <a:r>
+              <a:rPr lang="en-US" sz="2000" dirty="0" err="1">
+                <a:solidFill>
+                  <a:srgbClr val="121212"/>
+                </a:solidFill>
+                <a:ea typeface="Inter"/>
+              </a:rPr>
+              <a:t>kliendi</a:t>
+            </a:r>
+            <a:r>
+              <a:rPr lang="en-US" sz="2000" dirty="0">
+                <a:solidFill>
+                  <a:srgbClr val="121212"/>
+                </a:solidFill>
+                <a:ea typeface="Inter"/>
+              </a:rPr>
+              <a:t> </a:t>
+            </a:r>
+            <a:r>
+              <a:rPr lang="en-US" sz="2000" dirty="0" err="1">
+                <a:solidFill>
+                  <a:srgbClr val="121212"/>
+                </a:solidFill>
+                <a:ea typeface="Inter"/>
+              </a:rPr>
+              <a:t>maksvaks</a:t>
+            </a:r>
+            <a:r>
+              <a:rPr lang="en-US" sz="2000" dirty="0">
+                <a:solidFill>
+                  <a:srgbClr val="121212"/>
+                </a:solidFill>
+                <a:ea typeface="Inter"/>
+              </a:rPr>
+              <a:t> </a:t>
+            </a:r>
+            <a:r>
+              <a:rPr lang="en-US" sz="2000" dirty="0" err="1">
+                <a:solidFill>
+                  <a:srgbClr val="121212"/>
+                </a:solidFill>
+                <a:ea typeface="Inter"/>
+              </a:rPr>
+              <a:t>kliendiks</a:t>
+            </a:r>
+            <a:r>
+              <a:rPr lang="en-US" sz="2000" dirty="0">
+                <a:solidFill>
+                  <a:srgbClr val="121212"/>
+                </a:solidFill>
+                <a:ea typeface="Inter"/>
+              </a:rPr>
+              <a:t> </a:t>
+            </a:r>
+            <a:r>
+              <a:rPr lang="en-US" sz="2000" dirty="0" err="1">
+                <a:solidFill>
+                  <a:srgbClr val="121212"/>
+                </a:solidFill>
+                <a:ea typeface="Inter"/>
+              </a:rPr>
+              <a:t>muutumist</a:t>
+            </a:r>
+            <a:r>
+              <a:rPr lang="en-US" sz="2000" dirty="0">
+                <a:solidFill>
+                  <a:srgbClr val="121212"/>
+                </a:solidFill>
+                <a:ea typeface="Inter"/>
+              </a:rPr>
+              <a:t>? </a:t>
+            </a:r>
+          </a:p>
+          <a:p>
+            <a:pPr>
+              <a:lnSpc>
+                <a:spcPct val="150000"/>
+              </a:lnSpc>
+            </a:pPr>
+            <a:r>
+              <a:rPr lang="en-US" sz="2000" dirty="0">
+                <a:solidFill>
+                  <a:srgbClr val="121212"/>
+                </a:solidFill>
+                <a:latin typeface="Inter" panose="02000503000000020004" pitchFamily="2" charset="0"/>
+                <a:ea typeface="Inter"/>
+              </a:rPr>
+              <a:t>Day4 </a:t>
+            </a:r>
+            <a:r>
+              <a:rPr lang="en-US" sz="2000" dirty="0">
+                <a:solidFill>
+                  <a:srgbClr val="121212"/>
+                </a:solidFill>
+                <a:latin typeface="Inter" panose="02000503000000020004" pitchFamily="2" charset="0"/>
+                <a:ea typeface="Inter"/>
+                <a:sym typeface="Wingdings" panose="05000000000000000000" pitchFamily="2" charset="2"/>
+              </a:rPr>
+              <a:t> workflow_automations_customers_data.xlsx</a:t>
+            </a:r>
+          </a:p>
+          <a:p>
+            <a:pPr>
+              <a:lnSpc>
+                <a:spcPct val="150000"/>
+              </a:lnSpc>
+            </a:pPr>
+            <a:r>
+              <a:rPr lang="en-US" sz="2000" dirty="0" err="1">
+                <a:solidFill>
+                  <a:srgbClr val="121212"/>
+                </a:solidFill>
+                <a:latin typeface="Inter" panose="02000503000000020004" pitchFamily="2" charset="0"/>
+                <a:ea typeface="Inter"/>
+                <a:sym typeface="Wingdings" panose="05000000000000000000" pitchFamily="2" charset="2"/>
+              </a:rPr>
+              <a:t>Millist</a:t>
+            </a:r>
+            <a:r>
+              <a:rPr lang="en-US" sz="2000" dirty="0">
+                <a:solidFill>
+                  <a:srgbClr val="121212"/>
+                </a:solidFill>
+                <a:latin typeface="Inter" panose="02000503000000020004" pitchFamily="2" charset="0"/>
+                <a:ea typeface="Inter"/>
+                <a:sym typeface="Wingdings" panose="05000000000000000000" pitchFamily="2" charset="2"/>
+              </a:rPr>
+              <a:t> </a:t>
+            </a:r>
+            <a:r>
+              <a:rPr lang="en-US" sz="2000" dirty="0" err="1">
+                <a:solidFill>
+                  <a:srgbClr val="121212"/>
+                </a:solidFill>
+                <a:latin typeface="Inter" panose="02000503000000020004" pitchFamily="2" charset="0"/>
+                <a:ea typeface="Inter"/>
+                <a:sym typeface="Wingdings" panose="05000000000000000000" pitchFamily="2" charset="2"/>
+              </a:rPr>
+              <a:t>analüüsi</a:t>
+            </a:r>
+            <a:r>
+              <a:rPr lang="en-US" sz="2000" dirty="0">
+                <a:solidFill>
+                  <a:srgbClr val="121212"/>
+                </a:solidFill>
+                <a:latin typeface="Inter" panose="02000503000000020004" pitchFamily="2" charset="0"/>
+                <a:ea typeface="Inter"/>
+                <a:sym typeface="Wingdings" panose="05000000000000000000" pitchFamily="2" charset="2"/>
+              </a:rPr>
+              <a:t> </a:t>
+            </a:r>
+            <a:r>
+              <a:rPr lang="en-US" sz="2000" dirty="0" err="1">
+                <a:solidFill>
+                  <a:srgbClr val="121212"/>
+                </a:solidFill>
+                <a:latin typeface="Inter" panose="02000503000000020004" pitchFamily="2" charset="0"/>
+                <a:ea typeface="Inter"/>
+                <a:sym typeface="Wingdings" panose="05000000000000000000" pitchFamily="2" charset="2"/>
+              </a:rPr>
+              <a:t>jooksutame</a:t>
+            </a:r>
+            <a:r>
+              <a:rPr lang="en-US" sz="2000" dirty="0">
+                <a:solidFill>
+                  <a:srgbClr val="121212"/>
+                </a:solidFill>
+                <a:latin typeface="Inter" panose="02000503000000020004" pitchFamily="2" charset="0"/>
+                <a:ea typeface="Inter"/>
+                <a:sym typeface="Wingdings" panose="05000000000000000000" pitchFamily="2" charset="2"/>
+              </a:rPr>
+              <a:t>?</a:t>
+            </a:r>
+            <a:endParaRPr lang="en-US" sz="2000" dirty="0">
+              <a:solidFill>
+                <a:srgbClr val="121212"/>
+              </a:solidFill>
+              <a:latin typeface="Inter" panose="02000503000000020004" pitchFamily="2" charset="0"/>
+            </a:endParaRPr>
+          </a:p>
+          <a:p>
+            <a:pPr marL="457200" lvl="1" indent="0">
+              <a:buNone/>
+            </a:pPr>
+            <a:endParaRPr lang="en-US" sz="2000" dirty="0">
+              <a:solidFill>
+                <a:srgbClr val="121212"/>
+              </a:solidFill>
+            </a:endParaRPr>
+          </a:p>
+          <a:p>
+            <a:pPr>
+              <a:buClr>
+                <a:srgbClr val="121212"/>
+              </a:buClr>
+            </a:pPr>
+            <a:endParaRPr lang="en-US" sz="2000" dirty="0">
+              <a:solidFill>
+                <a:srgbClr val="121212"/>
+              </a:solidFill>
+            </a:endParaRPr>
+          </a:p>
+        </p:txBody>
+      </p:sp>
+    </p:spTree>
+    <p:extLst>
+      <p:ext uri="{BB962C8B-B14F-4D97-AF65-F5344CB8AC3E}">
+        <p14:creationId xmlns:p14="http://schemas.microsoft.com/office/powerpoint/2010/main" val="627213003"/>
+      </p:ext>
+    </p:extLst>
+  </p:cSld>
+  <p:clrMapOvr>
+    <a:masterClrMapping/>
+  </p:clrMapOvr>
+  <p:timing>
+    <p:tnLst>
+      <p:par>
+        <p:cTn id="1" dur="indefinite" restart="never" nodeType="tmRoot">
+          <p:childTnLst>
+            <p:seq concurrent="1" nextAc="seek">
+              <p:cTn id="2" dur="indefinite" nodeType="mainSeq">
+                <p:childTnLst>
+                  <p:par>
+                    <p:cTn id="3" fill="hold">
+                      <p:stCondLst>
+                        <p:cond delay="indefinite"/>
+                      </p:stCondLst>
+                      <p:childTnLst>
+                        <p:par>
+                          <p:cTn id="4" fill="hold">
+                            <p:stCondLst>
+                              <p:cond delay="0"/>
+                            </p:stCondLst>
+                            <p:childTnLst>
+                              <p:par>
+                                <p:cTn id="5" presetID="1" presetClass="entr" presetSubtype="0" fill="hold" grpId="0" nodeType="clickEffect">
+                                  <p:stCondLst>
+                                    <p:cond delay="0"/>
+                                  </p:stCondLst>
+                                  <p:childTnLst>
+                                    <p:set>
+                                      <p:cBhvr>
+                                        <p:cTn id="6" dur="1" fill="hold">
+                                          <p:stCondLst>
+                                            <p:cond delay="0"/>
+                                          </p:stCondLst>
+                                        </p:cTn>
+                                        <p:tgtEl>
+                                          <p:spTgt spid="3">
+                                            <p:txEl>
+                                              <p:pRg st="0" end="0"/>
+                                            </p:txEl>
+                                          </p:spTgt>
+                                        </p:tgtEl>
+                                        <p:attrNameLst>
+                                          <p:attrName>style.visibility</p:attrName>
+                                        </p:attrNameLst>
+                                      </p:cBhvr>
+                                      <p:to>
+                                        <p:strVal val="visible"/>
+                                      </p:to>
+                                    </p:set>
+                                  </p:childTnLst>
+                                </p:cTn>
+                              </p:par>
+                            </p:childTnLst>
+                          </p:cTn>
+                        </p:par>
+                      </p:childTnLst>
+                    </p:cTn>
+                  </p:par>
+                  <p:par>
+                    <p:cTn id="7" fill="hold">
+                      <p:stCondLst>
+                        <p:cond delay="indefinite"/>
+                      </p:stCondLst>
+                      <p:childTnLst>
+                        <p:par>
+                          <p:cTn id="8" fill="hold">
+                            <p:stCondLst>
+                              <p:cond delay="0"/>
+                            </p:stCondLst>
+                            <p:childTnLst>
+                              <p:par>
+                                <p:cTn id="9" presetID="1" presetClass="entr" presetSubtype="0" fill="hold" grpId="0" nodeType="clickEffect">
+                                  <p:stCondLst>
+                                    <p:cond delay="0"/>
+                                  </p:stCondLst>
+                                  <p:childTnLst>
+                                    <p:set>
+                                      <p:cBhvr>
+                                        <p:cTn id="10" dur="1" fill="hold">
+                                          <p:stCondLst>
+                                            <p:cond delay="0"/>
+                                          </p:stCondLst>
+                                        </p:cTn>
+                                        <p:tgtEl>
+                                          <p:spTgt spid="3">
+                                            <p:txEl>
+                                              <p:pRg st="1" end="1"/>
+                                            </p:txEl>
+                                          </p:spTgt>
+                                        </p:tgtEl>
+                                        <p:attrNameLst>
+                                          <p:attrName>style.visibility</p:attrName>
+                                        </p:attrNameLst>
+                                      </p:cBhvr>
+                                      <p:to>
+                                        <p:strVal val="visible"/>
+                                      </p:to>
+                                    </p:set>
+                                  </p:childTnLst>
+                                </p:cTn>
+                              </p:par>
+                            </p:childTnLst>
+                          </p:cTn>
+                        </p:par>
+                      </p:childTnLst>
+                    </p:cTn>
+                  </p:par>
+                  <p:par>
+                    <p:cTn id="11" fill="hold">
+                      <p:stCondLst>
+                        <p:cond delay="indefinite"/>
+                      </p:stCondLst>
+                      <p:childTnLst>
+                        <p:par>
+                          <p:cTn id="12" fill="hold">
+                            <p:stCondLst>
+                              <p:cond delay="0"/>
+                            </p:stCondLst>
+                            <p:childTnLst>
+                              <p:par>
+                                <p:cTn id="13" presetID="1" presetClass="entr" presetSubtype="0" fill="hold" grpId="0" nodeType="clickEffect">
+                                  <p:stCondLst>
+                                    <p:cond delay="0"/>
+                                  </p:stCondLst>
+                                  <p:childTnLst>
+                                    <p:set>
+                                      <p:cBhvr>
+                                        <p:cTn id="14" dur="1" fill="hold">
+                                          <p:stCondLst>
+                                            <p:cond delay="0"/>
+                                          </p:stCondLst>
+                                        </p:cTn>
+                                        <p:tgtEl>
+                                          <p:spTgt spid="3">
+                                            <p:txEl>
+                                              <p:pRg st="2" end="2"/>
+                                            </p:txEl>
+                                          </p:spTgt>
+                                        </p:tgtEl>
+                                        <p:attrNameLst>
+                                          <p:attrName>style.visibility</p:attrName>
+                                        </p:attrNameLst>
+                                      </p:cBhvr>
+                                      <p:to>
+                                        <p:strVal val="visible"/>
+                                      </p:to>
+                                    </p:set>
+                                  </p:childTnLst>
+                                </p:cTn>
+                              </p:par>
+                            </p:childTnLst>
+                          </p:cTn>
+                        </p:par>
+                      </p:childTnLst>
+                    </p:cTn>
+                  </p:par>
+                </p:childTnLst>
+              </p:cTn>
+              <p:prevCondLst>
+                <p:cond evt="onPrev" delay="0">
+                  <p:tgtEl>
+                    <p:sldTgt/>
+                  </p:tgtEl>
+                </p:cond>
+              </p:prevCondLst>
+              <p:nextCondLst>
+                <p:cond evt="onNext" delay="0">
+                  <p:tgtEl>
+                    <p:sldTgt/>
+                  </p:tgtEl>
+                </p:cond>
+              </p:nextCondLst>
+            </p:seq>
+          </p:childTnLst>
+        </p:cTn>
+      </p:par>
+    </p:tnLst>
+    <p:bldLst>
+      <p:bldP spid="3" grpId="0" build="p"/>
+    </p:bldLst>
+  </p:timing>
+</p:sld>
+</file>
+
+<file path=ppt/slides/slide28.xml><?xml version="1.0" encoding="utf-8"?>
 <p:sld xmlns:a="http://schemas.openxmlformats.org/drawingml/2006/main" xmlns:r="http://schemas.openxmlformats.org/officeDocument/2006/relationships" xmlns:p="http://schemas.openxmlformats.org/presentationml/2006/main">
   <p:cSld>
     <p:spTree>
@@ -40270,7 +42261,7 @@
 </p:sld>
 </file>
 
-<file path=ppt/slides/slide26.xml><?xml version="1.0" encoding="utf-8"?>
+<file path=ppt/slides/slide29.xml><?xml version="1.0" encoding="utf-8"?>
 <p:sld xmlns:a="http://schemas.openxmlformats.org/drawingml/2006/main" xmlns:r="http://schemas.openxmlformats.org/officeDocument/2006/relationships" xmlns:p="http://schemas.openxmlformats.org/presentationml/2006/main">
   <p:cSld>
     <p:spTree>
@@ -41565,317 +43556,6 @@
 </p:sld>
 </file>
 
-<file path=ppt/slides/slide27.xml><?xml version="1.0" encoding="utf-8"?>
-<p:sld xmlns:a="http://schemas.openxmlformats.org/drawingml/2006/main" xmlns:r="http://schemas.openxmlformats.org/officeDocument/2006/relationships" xmlns:p="http://schemas.openxmlformats.org/presentationml/2006/main">
-  <p:cSld>
-    <p:spTree>
-      <p:nvGrpSpPr>
-        <p:cNvPr id="1" name="">
-          <a:extLst>
-            <a:ext uri="{FF2B5EF4-FFF2-40B4-BE49-F238E27FC236}">
-              <a16:creationId xmlns:a16="http://schemas.microsoft.com/office/drawing/2014/main" id="{3980A774-AA87-A51C-4B4E-368644DF4442}"/>
-            </a:ext>
-          </a:extLst>
-        </p:cNvPr>
-        <p:cNvGrpSpPr/>
-        <p:nvPr/>
-      </p:nvGrpSpPr>
-      <p:grpSpPr>
-        <a:xfrm>
-          <a:off x="0" y="0"/>
-          <a:ext cx="0" cy="0"/>
-          <a:chOff x="0" y="0"/>
-          <a:chExt cx="0" cy="0"/>
-        </a:xfrm>
-      </p:grpSpPr>
-      <p:sp>
-        <p:nvSpPr>
-          <p:cNvPr id="2" name="Title 1">
-            <a:extLst>
-              <a:ext uri="{FF2B5EF4-FFF2-40B4-BE49-F238E27FC236}">
-                <a16:creationId xmlns:a16="http://schemas.microsoft.com/office/drawing/2014/main" id="{74B051E2-1981-EB29-86CB-C7FA6D0B5439}"/>
-              </a:ext>
-            </a:extLst>
-          </p:cNvPr>
-          <p:cNvSpPr>
-            <a:spLocks noGrp="1"/>
-          </p:cNvSpPr>
-          <p:nvPr>
-            <p:ph type="ctrTitle"/>
-          </p:nvPr>
-        </p:nvSpPr>
-        <p:spPr/>
-        <p:txBody>
-          <a:bodyPr/>
-          <a:lstStyle/>
-          <a:p>
-            <a:r>
-              <a:rPr lang="en-US" err="1"/>
-              <a:t>Andmepõhine</a:t>
-            </a:r>
-            <a:r>
-              <a:rPr lang="en-US"/>
-              <a:t> </a:t>
-            </a:r>
-            <a:r>
-              <a:rPr lang="en-US" err="1"/>
-              <a:t>otsustamine</a:t>
-            </a:r>
-          </a:p>
-        </p:txBody>
-      </p:sp>
-      <p:sp>
-        <p:nvSpPr>
-          <p:cNvPr id="9" name="Content Placeholder 8">
-            <a:extLst>
-              <a:ext uri="{FF2B5EF4-FFF2-40B4-BE49-F238E27FC236}">
-                <a16:creationId xmlns:a16="http://schemas.microsoft.com/office/drawing/2014/main" id="{207A1C03-557B-6A48-F61C-36C2692CD641}"/>
-              </a:ext>
-            </a:extLst>
-          </p:cNvPr>
-          <p:cNvSpPr>
-            <a:spLocks noGrp="1"/>
-          </p:cNvSpPr>
-          <p:nvPr>
-            <p:ph sz="quarter" idx="10"/>
-          </p:nvPr>
-        </p:nvSpPr>
-        <p:spPr>
-          <a:xfrm>
-            <a:off x="623888" y="1268413"/>
-            <a:ext cx="10507662" cy="4465637"/>
-          </a:xfrm>
-        </p:spPr>
-        <p:txBody>
-          <a:bodyPr/>
-          <a:lstStyle/>
-          <a:p>
-            <a:r>
-              <a:rPr lang="en-US" sz="2000">
-                <a:ea typeface="Inter"/>
-              </a:rPr>
-              <a:t>Lisaks</a:t>
-            </a:r>
-            <a:r>
-              <a:rPr lang="en-US" sz="2000">
-                <a:solidFill>
-                  <a:srgbClr val="121212"/>
-                </a:solidFill>
-                <a:latin typeface="Inter"/>
-                <a:ea typeface="Inter"/>
-                <a:cs typeface="Roboto"/>
-              </a:rPr>
-              <a:t> </a:t>
-            </a:r>
-            <a:r>
-              <a:rPr lang="en-US" sz="2000" err="1">
-                <a:solidFill>
-                  <a:srgbClr val="121212"/>
-                </a:solidFill>
-                <a:latin typeface="Inter"/>
-                <a:ea typeface="Inter"/>
-                <a:cs typeface="Roboto"/>
-              </a:rPr>
-              <a:t>andmetele</a:t>
-            </a:r>
-            <a:r>
-              <a:rPr lang="en-US" sz="2000">
-                <a:solidFill>
-                  <a:srgbClr val="121212"/>
-                </a:solidFill>
-                <a:latin typeface="Inter"/>
-                <a:ea typeface="Inter"/>
-                <a:cs typeface="Roboto"/>
-              </a:rPr>
-              <a:t> </a:t>
-            </a:r>
-            <a:r>
-              <a:rPr lang="en-US" sz="2000" err="1">
-                <a:solidFill>
-                  <a:srgbClr val="121212"/>
-                </a:solidFill>
-                <a:latin typeface="Inter"/>
-                <a:ea typeface="Inter"/>
-                <a:cs typeface="Roboto"/>
-              </a:rPr>
-              <a:t>alati</a:t>
-            </a:r>
-            <a:r>
-              <a:rPr lang="en-US" sz="2000">
-                <a:solidFill>
-                  <a:srgbClr val="121212"/>
-                </a:solidFill>
-                <a:latin typeface="Inter"/>
-                <a:ea typeface="Inter"/>
-                <a:cs typeface="Roboto"/>
-              </a:rPr>
-              <a:t> </a:t>
-            </a:r>
-            <a:r>
-              <a:rPr lang="en-US" sz="2000" err="1">
-                <a:solidFill>
-                  <a:srgbClr val="121212"/>
-                </a:solidFill>
-                <a:latin typeface="Inter"/>
-                <a:ea typeface="Inter"/>
-                <a:cs typeface="Roboto"/>
-              </a:rPr>
-              <a:t>domeeniteadmine</a:t>
-            </a:r>
-            <a:endParaRPr lang="en-US" sz="2000" b="1" err="1">
-              <a:solidFill>
-                <a:srgbClr val="003865"/>
-              </a:solidFill>
-              <a:latin typeface="Roboto"/>
-              <a:ea typeface="Roboto"/>
-              <a:cs typeface="Roboto"/>
-            </a:endParaRPr>
-          </a:p>
-        </p:txBody>
-      </p:sp>
-    </p:spTree>
-    <p:extLst>
-      <p:ext uri="{BB962C8B-B14F-4D97-AF65-F5344CB8AC3E}">
-        <p14:creationId xmlns:p14="http://schemas.microsoft.com/office/powerpoint/2010/main" val="1886510586"/>
-      </p:ext>
-    </p:extLst>
-  </p:cSld>
-  <p:clrMapOvr>
-    <a:masterClrMapping/>
-  </p:clrMapOvr>
-</p:sld>
-</file>
-
-<file path=ppt/slides/slide28.xml><?xml version="1.0" encoding="utf-8"?>
-<p:sld xmlns:a="http://schemas.openxmlformats.org/drawingml/2006/main" xmlns:r="http://schemas.openxmlformats.org/officeDocument/2006/relationships" xmlns:p="http://schemas.openxmlformats.org/presentationml/2006/main">
-  <p:cSld>
-    <p:spTree>
-      <p:nvGrpSpPr>
-        <p:cNvPr id="1" name="">
-          <a:extLst>
-            <a:ext uri="{FF2B5EF4-FFF2-40B4-BE49-F238E27FC236}">
-              <a16:creationId xmlns:a16="http://schemas.microsoft.com/office/drawing/2014/main" id="{D2C07F74-3ADC-4F01-EEE4-424291A6A94C}"/>
-            </a:ext>
-          </a:extLst>
-        </p:cNvPr>
-        <p:cNvGrpSpPr/>
-        <p:nvPr/>
-      </p:nvGrpSpPr>
-      <p:grpSpPr>
-        <a:xfrm>
-          <a:off x="0" y="0"/>
-          <a:ext cx="0" cy="0"/>
-          <a:chOff x="0" y="0"/>
-          <a:chExt cx="0" cy="0"/>
-        </a:xfrm>
-      </p:grpSpPr>
-      <p:sp>
-        <p:nvSpPr>
-          <p:cNvPr id="2" name="Title 1">
-            <a:extLst>
-              <a:ext uri="{FF2B5EF4-FFF2-40B4-BE49-F238E27FC236}">
-                <a16:creationId xmlns:a16="http://schemas.microsoft.com/office/drawing/2014/main" id="{B0E63900-C146-77E0-22DF-4A4C64647FDD}"/>
-              </a:ext>
-            </a:extLst>
-          </p:cNvPr>
-          <p:cNvSpPr>
-            <a:spLocks noGrp="1"/>
-          </p:cNvSpPr>
-          <p:nvPr>
-            <p:ph type="ctrTitle"/>
-          </p:nvPr>
-        </p:nvSpPr>
-        <p:spPr/>
-        <p:txBody>
-          <a:bodyPr/>
-          <a:lstStyle/>
-          <a:p>
-            <a:r>
-              <a:rPr lang="en-US" err="1"/>
-              <a:t>Lisamaterjale</a:t>
-            </a:r>
-          </a:p>
-        </p:txBody>
-      </p:sp>
-      <p:sp>
-        <p:nvSpPr>
-          <p:cNvPr id="9" name="Content Placeholder 8">
-            <a:extLst>
-              <a:ext uri="{FF2B5EF4-FFF2-40B4-BE49-F238E27FC236}">
-                <a16:creationId xmlns:a16="http://schemas.microsoft.com/office/drawing/2014/main" id="{5C1BD2BE-701E-16D5-50C2-18AC0F819B17}"/>
-              </a:ext>
-            </a:extLst>
-          </p:cNvPr>
-          <p:cNvSpPr>
-            <a:spLocks noGrp="1"/>
-          </p:cNvSpPr>
-          <p:nvPr>
-            <p:ph sz="quarter" idx="10"/>
-          </p:nvPr>
-        </p:nvSpPr>
-        <p:spPr>
-          <a:xfrm>
-            <a:off x="623888" y="1268413"/>
-            <a:ext cx="10507662" cy="4465637"/>
-          </a:xfrm>
-        </p:spPr>
-        <p:txBody>
-          <a:bodyPr/>
-          <a:lstStyle/>
-          <a:p>
-            <a:r>
-              <a:rPr lang="en-US" sz="2000" err="1">
-                <a:ea typeface="Inter"/>
-              </a:rPr>
-              <a:t>Digiriigiakadeemia</a:t>
-            </a:r>
-            <a:r>
-              <a:rPr lang="en-US" sz="2000">
-                <a:ea typeface="Inter"/>
-              </a:rPr>
-              <a:t> </a:t>
-            </a:r>
-            <a:r>
-              <a:rPr lang="en-US" sz="2000" err="1">
-                <a:ea typeface="Inter"/>
-              </a:rPr>
-              <a:t>kursus</a:t>
-            </a:r>
-            <a:r>
-              <a:rPr lang="en-US" sz="2000">
-                <a:ea typeface="Inter"/>
-              </a:rPr>
-              <a:t>: </a:t>
-            </a:r>
-            <a:r>
-              <a:rPr lang="en-US" sz="2000" b="1">
-                <a:solidFill>
-                  <a:srgbClr val="003865"/>
-                </a:solidFill>
-                <a:latin typeface="Roboto"/>
-                <a:ea typeface="Roboto"/>
-                <a:cs typeface="Roboto"/>
-                <a:hlinkClick r:id="rId2"/>
-              </a:rPr>
-              <a:t>Andmepõhine otsustamine</a:t>
-            </a:r>
-            <a:endParaRPr lang="en-US" sz="2000"/>
-          </a:p>
-        </p:txBody>
-      </p:sp>
-    </p:spTree>
-    <p:extLst>
-      <p:ext uri="{BB962C8B-B14F-4D97-AF65-F5344CB8AC3E}">
-        <p14:creationId xmlns:p14="http://schemas.microsoft.com/office/powerpoint/2010/main" val="2430578393"/>
-      </p:ext>
-    </p:extLst>
-  </p:cSld>
-  <p:clrMapOvr>
-    <a:masterClrMapping/>
-  </p:clrMapOvr>
-</p:sld>
-</file>
-
 <file path=ppt/slides/slide3.xml><?xml version="1.0" encoding="utf-8"?>
 <p:sld xmlns:a="http://schemas.openxmlformats.org/drawingml/2006/main" xmlns:r="http://schemas.openxmlformats.org/officeDocument/2006/relationships" xmlns:p="http://schemas.openxmlformats.org/presentationml/2006/main">
   <p:cSld>
@@ -41966,6 +43646,317 @@
     <p:extLst>
       <p:ext uri="{BB962C8B-B14F-4D97-AF65-F5344CB8AC3E}">
         <p14:creationId xmlns:p14="http://schemas.microsoft.com/office/powerpoint/2010/main" val="3879890829"/>
+      </p:ext>
+    </p:extLst>
+  </p:cSld>
+  <p:clrMapOvr>
+    <a:masterClrMapping/>
+  </p:clrMapOvr>
+</p:sld>
+</file>
+
+<file path=ppt/slides/slide30.xml><?xml version="1.0" encoding="utf-8"?>
+<p:sld xmlns:a="http://schemas.openxmlformats.org/drawingml/2006/main" xmlns:r="http://schemas.openxmlformats.org/officeDocument/2006/relationships" xmlns:p="http://schemas.openxmlformats.org/presentationml/2006/main">
+  <p:cSld>
+    <p:spTree>
+      <p:nvGrpSpPr>
+        <p:cNvPr id="1" name="">
+          <a:extLst>
+            <a:ext uri="{FF2B5EF4-FFF2-40B4-BE49-F238E27FC236}">
+              <a16:creationId xmlns:a16="http://schemas.microsoft.com/office/drawing/2014/main" id="{3980A774-AA87-A51C-4B4E-368644DF4442}"/>
+            </a:ext>
+          </a:extLst>
+        </p:cNvPr>
+        <p:cNvGrpSpPr/>
+        <p:nvPr/>
+      </p:nvGrpSpPr>
+      <p:grpSpPr>
+        <a:xfrm>
+          <a:off x="0" y="0"/>
+          <a:ext cx="0" cy="0"/>
+          <a:chOff x="0" y="0"/>
+          <a:chExt cx="0" cy="0"/>
+        </a:xfrm>
+      </p:grpSpPr>
+      <p:sp>
+        <p:nvSpPr>
+          <p:cNvPr id="2" name="Title 1">
+            <a:extLst>
+              <a:ext uri="{FF2B5EF4-FFF2-40B4-BE49-F238E27FC236}">
+                <a16:creationId xmlns:a16="http://schemas.microsoft.com/office/drawing/2014/main" id="{74B051E2-1981-EB29-86CB-C7FA6D0B5439}"/>
+              </a:ext>
+            </a:extLst>
+          </p:cNvPr>
+          <p:cNvSpPr>
+            <a:spLocks noGrp="1"/>
+          </p:cNvSpPr>
+          <p:nvPr>
+            <p:ph type="ctrTitle"/>
+          </p:nvPr>
+        </p:nvSpPr>
+        <p:spPr/>
+        <p:txBody>
+          <a:bodyPr/>
+          <a:lstStyle/>
+          <a:p>
+            <a:r>
+              <a:rPr lang="en-US" err="1"/>
+              <a:t>Andmepõhine</a:t>
+            </a:r>
+            <a:r>
+              <a:rPr lang="en-US"/>
+              <a:t> </a:t>
+            </a:r>
+            <a:r>
+              <a:rPr lang="en-US" err="1"/>
+              <a:t>otsustamine</a:t>
+            </a:r>
+          </a:p>
+        </p:txBody>
+      </p:sp>
+      <p:sp>
+        <p:nvSpPr>
+          <p:cNvPr id="9" name="Content Placeholder 8">
+            <a:extLst>
+              <a:ext uri="{FF2B5EF4-FFF2-40B4-BE49-F238E27FC236}">
+                <a16:creationId xmlns:a16="http://schemas.microsoft.com/office/drawing/2014/main" id="{207A1C03-557B-6A48-F61C-36C2692CD641}"/>
+              </a:ext>
+            </a:extLst>
+          </p:cNvPr>
+          <p:cNvSpPr>
+            <a:spLocks noGrp="1"/>
+          </p:cNvSpPr>
+          <p:nvPr>
+            <p:ph sz="quarter" idx="10"/>
+          </p:nvPr>
+        </p:nvSpPr>
+        <p:spPr>
+          <a:xfrm>
+            <a:off x="623888" y="1268413"/>
+            <a:ext cx="10507662" cy="4465637"/>
+          </a:xfrm>
+        </p:spPr>
+        <p:txBody>
+          <a:bodyPr/>
+          <a:lstStyle/>
+          <a:p>
+            <a:r>
+              <a:rPr lang="en-US" sz="2000">
+                <a:ea typeface="Inter"/>
+              </a:rPr>
+              <a:t>Lisaks</a:t>
+            </a:r>
+            <a:r>
+              <a:rPr lang="en-US" sz="2000">
+                <a:solidFill>
+                  <a:srgbClr val="121212"/>
+                </a:solidFill>
+                <a:latin typeface="Inter"/>
+                <a:ea typeface="Inter"/>
+                <a:cs typeface="Roboto"/>
+              </a:rPr>
+              <a:t> </a:t>
+            </a:r>
+            <a:r>
+              <a:rPr lang="en-US" sz="2000" err="1">
+                <a:solidFill>
+                  <a:srgbClr val="121212"/>
+                </a:solidFill>
+                <a:latin typeface="Inter"/>
+                <a:ea typeface="Inter"/>
+                <a:cs typeface="Roboto"/>
+              </a:rPr>
+              <a:t>andmetele</a:t>
+            </a:r>
+            <a:r>
+              <a:rPr lang="en-US" sz="2000">
+                <a:solidFill>
+                  <a:srgbClr val="121212"/>
+                </a:solidFill>
+                <a:latin typeface="Inter"/>
+                <a:ea typeface="Inter"/>
+                <a:cs typeface="Roboto"/>
+              </a:rPr>
+              <a:t> </a:t>
+            </a:r>
+            <a:r>
+              <a:rPr lang="en-US" sz="2000" err="1">
+                <a:solidFill>
+                  <a:srgbClr val="121212"/>
+                </a:solidFill>
+                <a:latin typeface="Inter"/>
+                <a:ea typeface="Inter"/>
+                <a:cs typeface="Roboto"/>
+              </a:rPr>
+              <a:t>alati</a:t>
+            </a:r>
+            <a:r>
+              <a:rPr lang="en-US" sz="2000">
+                <a:solidFill>
+                  <a:srgbClr val="121212"/>
+                </a:solidFill>
+                <a:latin typeface="Inter"/>
+                <a:ea typeface="Inter"/>
+                <a:cs typeface="Roboto"/>
+              </a:rPr>
+              <a:t> </a:t>
+            </a:r>
+            <a:r>
+              <a:rPr lang="en-US" sz="2000" err="1">
+                <a:solidFill>
+                  <a:srgbClr val="121212"/>
+                </a:solidFill>
+                <a:latin typeface="Inter"/>
+                <a:ea typeface="Inter"/>
+                <a:cs typeface="Roboto"/>
+              </a:rPr>
+              <a:t>domeeniteadmine</a:t>
+            </a:r>
+            <a:endParaRPr lang="en-US" sz="2000" b="1" err="1">
+              <a:solidFill>
+                <a:srgbClr val="003865"/>
+              </a:solidFill>
+              <a:latin typeface="Roboto"/>
+              <a:ea typeface="Roboto"/>
+              <a:cs typeface="Roboto"/>
+            </a:endParaRPr>
+          </a:p>
+        </p:txBody>
+      </p:sp>
+    </p:spTree>
+    <p:extLst>
+      <p:ext uri="{BB962C8B-B14F-4D97-AF65-F5344CB8AC3E}">
+        <p14:creationId xmlns:p14="http://schemas.microsoft.com/office/powerpoint/2010/main" val="1886510586"/>
+      </p:ext>
+    </p:extLst>
+  </p:cSld>
+  <p:clrMapOvr>
+    <a:masterClrMapping/>
+  </p:clrMapOvr>
+</p:sld>
+</file>
+
+<file path=ppt/slides/slide31.xml><?xml version="1.0" encoding="utf-8"?>
+<p:sld xmlns:a="http://schemas.openxmlformats.org/drawingml/2006/main" xmlns:r="http://schemas.openxmlformats.org/officeDocument/2006/relationships" xmlns:p="http://schemas.openxmlformats.org/presentationml/2006/main">
+  <p:cSld>
+    <p:spTree>
+      <p:nvGrpSpPr>
+        <p:cNvPr id="1" name="">
+          <a:extLst>
+            <a:ext uri="{FF2B5EF4-FFF2-40B4-BE49-F238E27FC236}">
+              <a16:creationId xmlns:a16="http://schemas.microsoft.com/office/drawing/2014/main" id="{D2C07F74-3ADC-4F01-EEE4-424291A6A94C}"/>
+            </a:ext>
+          </a:extLst>
+        </p:cNvPr>
+        <p:cNvGrpSpPr/>
+        <p:nvPr/>
+      </p:nvGrpSpPr>
+      <p:grpSpPr>
+        <a:xfrm>
+          <a:off x="0" y="0"/>
+          <a:ext cx="0" cy="0"/>
+          <a:chOff x="0" y="0"/>
+          <a:chExt cx="0" cy="0"/>
+        </a:xfrm>
+      </p:grpSpPr>
+      <p:sp>
+        <p:nvSpPr>
+          <p:cNvPr id="2" name="Title 1">
+            <a:extLst>
+              <a:ext uri="{FF2B5EF4-FFF2-40B4-BE49-F238E27FC236}">
+                <a16:creationId xmlns:a16="http://schemas.microsoft.com/office/drawing/2014/main" id="{B0E63900-C146-77E0-22DF-4A4C64647FDD}"/>
+              </a:ext>
+            </a:extLst>
+          </p:cNvPr>
+          <p:cNvSpPr>
+            <a:spLocks noGrp="1"/>
+          </p:cNvSpPr>
+          <p:nvPr>
+            <p:ph type="ctrTitle"/>
+          </p:nvPr>
+        </p:nvSpPr>
+        <p:spPr/>
+        <p:txBody>
+          <a:bodyPr/>
+          <a:lstStyle/>
+          <a:p>
+            <a:r>
+              <a:rPr lang="en-US" err="1"/>
+              <a:t>Lisamaterjale</a:t>
+            </a:r>
+          </a:p>
+        </p:txBody>
+      </p:sp>
+      <p:sp>
+        <p:nvSpPr>
+          <p:cNvPr id="9" name="Content Placeholder 8">
+            <a:extLst>
+              <a:ext uri="{FF2B5EF4-FFF2-40B4-BE49-F238E27FC236}">
+                <a16:creationId xmlns:a16="http://schemas.microsoft.com/office/drawing/2014/main" id="{5C1BD2BE-701E-16D5-50C2-18AC0F819B17}"/>
+              </a:ext>
+            </a:extLst>
+          </p:cNvPr>
+          <p:cNvSpPr>
+            <a:spLocks noGrp="1"/>
+          </p:cNvSpPr>
+          <p:nvPr>
+            <p:ph sz="quarter" idx="10"/>
+          </p:nvPr>
+        </p:nvSpPr>
+        <p:spPr>
+          <a:xfrm>
+            <a:off x="623888" y="1268413"/>
+            <a:ext cx="10507662" cy="4465637"/>
+          </a:xfrm>
+        </p:spPr>
+        <p:txBody>
+          <a:bodyPr/>
+          <a:lstStyle/>
+          <a:p>
+            <a:r>
+              <a:rPr lang="en-US" sz="2000" err="1">
+                <a:ea typeface="Inter"/>
+              </a:rPr>
+              <a:t>Digiriigiakadeemia</a:t>
+            </a:r>
+            <a:r>
+              <a:rPr lang="en-US" sz="2000">
+                <a:ea typeface="Inter"/>
+              </a:rPr>
+              <a:t> </a:t>
+            </a:r>
+            <a:r>
+              <a:rPr lang="en-US" sz="2000" err="1">
+                <a:ea typeface="Inter"/>
+              </a:rPr>
+              <a:t>kursus</a:t>
+            </a:r>
+            <a:r>
+              <a:rPr lang="en-US" sz="2000">
+                <a:ea typeface="Inter"/>
+              </a:rPr>
+              <a:t>: </a:t>
+            </a:r>
+            <a:r>
+              <a:rPr lang="en-US" sz="2000" b="1">
+                <a:solidFill>
+                  <a:srgbClr val="003865"/>
+                </a:solidFill>
+                <a:latin typeface="Roboto"/>
+                <a:ea typeface="Roboto"/>
+                <a:cs typeface="Roboto"/>
+                <a:hlinkClick r:id="rId2"/>
+              </a:rPr>
+              <a:t>Andmepõhine otsustamine</a:t>
+            </a:r>
+            <a:endParaRPr lang="en-US" sz="2000"/>
+          </a:p>
+        </p:txBody>
+      </p:sp>
+    </p:spTree>
+    <p:extLst>
+      <p:ext uri="{BB962C8B-B14F-4D97-AF65-F5344CB8AC3E}">
+        <p14:creationId xmlns:p14="http://schemas.microsoft.com/office/powerpoint/2010/main" val="2430578393"/>
       </p:ext>
     </p:extLst>
   </p:cSld>
@@ -49095,18 +51086,18 @@
 </file>
 
 <file path=customXml/item1.xml><?xml version="1.0" encoding="utf-8"?>
+<p:properties xmlns:p="http://schemas.microsoft.com/office/2006/metadata/properties" xmlns:xsi="http://www.w3.org/2001/XMLSchema-instance" xmlns:pc="http://schemas.microsoft.com/office/infopath/2007/PartnerControls">
+  <documentManagement/>
+</p:properties>
+</file>
+
+<file path=customXml/item2.xml><?xml version="1.0" encoding="utf-8"?>
 <?mso-contentType ?>
 <FormTemplates xmlns="http://schemas.microsoft.com/sharepoint/v3/contenttype/forms">
   <Display>DocumentLibraryForm</Display>
   <Edit>DocumentLibraryForm</Edit>
   <New>DocumentLibraryForm</New>
 </FormTemplates>
-</file>
-
-<file path=customXml/item2.xml><?xml version="1.0" encoding="utf-8"?>
-<p:properties xmlns:p="http://schemas.microsoft.com/office/2006/metadata/properties" xmlns:xsi="http://www.w3.org/2001/XMLSchema-instance" xmlns:pc="http://schemas.microsoft.com/office/infopath/2007/PartnerControls">
-  <documentManagement/>
-</p:properties>
 </file>
 
 <file path=customXml/item3.xml><?xml version="1.0" encoding="utf-8"?>
@@ -49278,18 +51269,18 @@
 </file>
 
 <file path=customXml/itemProps1.xml><?xml version="1.0" encoding="utf-8"?>
-<ds:datastoreItem xmlns:ds="http://schemas.openxmlformats.org/officeDocument/2006/customXml" ds:itemID="{9DC439CA-6F1C-4005-ACA6-A52E04DEE0A7}">
+<ds:datastoreItem xmlns:ds="http://schemas.openxmlformats.org/officeDocument/2006/customXml" ds:itemID="{5BDF4908-A52A-47DD-A794-6E02D71942FC}">
   <ds:schemaRefs>
-    <ds:schemaRef ds:uri="http://schemas.microsoft.com/sharepoint/v3/contenttype/forms"/>
+    <ds:schemaRef ds:uri="http://schemas.microsoft.com/office/2006/metadata/properties"/>
+    <ds:schemaRef ds:uri="http://schemas.microsoft.com/office/infopath/2007/PartnerControls"/>
   </ds:schemaRefs>
 </ds:datastoreItem>
 </file>
 
 <file path=customXml/itemProps2.xml><?xml version="1.0" encoding="utf-8"?>
-<ds:datastoreItem xmlns:ds="http://schemas.openxmlformats.org/officeDocument/2006/customXml" ds:itemID="{5BDF4908-A52A-47DD-A794-6E02D71942FC}">
+<ds:datastoreItem xmlns:ds="http://schemas.openxmlformats.org/officeDocument/2006/customXml" ds:itemID="{9DC439CA-6F1C-4005-ACA6-A52E04DEE0A7}">
   <ds:schemaRefs>
-    <ds:schemaRef ds:uri="http://schemas.microsoft.com/office/2006/metadata/properties"/>
-    <ds:schemaRef ds:uri="http://schemas.microsoft.com/office/infopath/2007/PartnerControls"/>
+    <ds:schemaRef ds:uri="http://schemas.microsoft.com/sharepoint/v3/contenttype/forms"/>
   </ds:schemaRefs>
 </ds:datastoreItem>
 </file>
